--- a/Presentation/HRMS.pptx
+++ b/Presentation/HRMS.pptx
@@ -12,6 +12,15 @@
     <p:sldId id="261" r:id="rId6"/>
     <p:sldId id="262" r:id="rId7"/>
     <p:sldId id="263" r:id="rId8"/>
+    <p:sldId id="266" r:id="rId9"/>
+    <p:sldId id="264" r:id="rId10"/>
+    <p:sldId id="265" r:id="rId11"/>
+    <p:sldId id="270" r:id="rId12"/>
+    <p:sldId id="267" r:id="rId13"/>
+    <p:sldId id="269" r:id="rId14"/>
+    <p:sldId id="272" r:id="rId15"/>
+    <p:sldId id="268" r:id="rId16"/>
+    <p:sldId id="271" r:id="rId17"/>
   </p:sldIdLst>
   <p:sldSz cx="9144000" cy="6858000" type="screen4x3"/>
   <p:notesSz cx="6858000" cy="9144000"/>
@@ -110,6 +119,22 @@
       </a:defRPr>
     </a:lvl9pPr>
   </p:defaultTextStyle>
+  <p:extLst>
+    <p:ext uri="{EFAFB233-063F-42B5-8137-9DF3F51BA10A}">
+      <p15:sldGuideLst xmlns:p15="http://schemas.microsoft.com/office/powerpoint/2012/main">
+        <p15:guide id="1" orient="horz" pos="2160">
+          <p15:clr>
+            <a:srgbClr val="A4A3A4"/>
+          </p15:clr>
+        </p15:guide>
+        <p15:guide id="2" pos="2880">
+          <p15:clr>
+            <a:srgbClr val="A4A3A4"/>
+          </p15:clr>
+        </p15:guide>
+      </p15:sldGuideLst>
+    </p:ext>
+  </p:extLst>
 </p:presentation>
 </file>
 
@@ -3235,22 +3260,25 @@
         <a:lstStyle/>
         <a:p>
           <a:r>
-            <a:rPr lang="en-US" sz="1400" b="1" dirty="0" smtClean="0"/>
-            <a:t>Md Atik Ullah Bulbul</a:t>
+            <a:rPr lang="en-US" sz="2000" b="1" dirty="0" smtClean="0"/>
+            <a:t>Md. </a:t>
           </a:r>
+          <a:r>
+            <a:rPr lang="en-US" sz="2000" b="1" dirty="0" err="1" smtClean="0"/>
+            <a:t>Masudur</a:t>
+          </a:r>
+          <a:r>
+            <a:rPr lang="en-US" sz="2000" b="1" dirty="0" smtClean="0"/>
+            <a:t> Rahman</a:t>
+          </a:r>
+          <a:endParaRPr lang="en-US" sz="2000" b="1" dirty="0" smtClean="0"/>
         </a:p>
         <a:p>
           <a:r>
-            <a:rPr lang="en-US" sz="1200" dirty="0" smtClean="0"/>
-            <a:t>Master’s  in Geophysics</a:t>
+            <a:rPr lang="en-US" sz="2000" b="1" dirty="0" smtClean="0"/>
+            <a:t>Roll No. – BSSE 0413</a:t>
           </a:r>
-        </a:p>
-        <a:p>
-          <a:r>
-            <a:rPr lang="en-US" sz="1200" dirty="0" smtClean="0"/>
-            <a:t>Department of Geology</a:t>
-          </a:r>
-          <a:endParaRPr lang="en-US" sz="1200" dirty="0"/>
+          <a:endParaRPr lang="en-US" sz="2000" b="1" dirty="0"/>
         </a:p>
       </dgm:t>
     </dgm:pt>
@@ -3426,10 +3454,17 @@
     <dgm:pt modelId="{7CD80D09-A06A-4FDF-AD25-B26F72A344C9}" type="pres">
       <dgm:prSet presAssocID="{245B686A-5558-408F-8D91-146D39CDCEB4}" presName="imgShp" presStyleLbl="fgImgPlace1" presStyleIdx="1" presStyleCnt="4"/>
       <dgm:spPr>
-        <a:blipFill rotWithShape="0">
-          <a:blip xmlns:r="http://schemas.openxmlformats.org/officeDocument/2006/relationships" r:embed="rId2"/>
+        <a:blipFill>
+          <a:blip xmlns:r="http://schemas.openxmlformats.org/officeDocument/2006/relationships" r:embed="rId2" cstate="print">
+            <a:extLst>
+              <a:ext uri="{28A0092B-C50C-407E-A947-70E740481C1C}">
+                <a14:useLocalDpi xmlns:a14="http://schemas.microsoft.com/office/drawing/2010/main" val="0"/>
+              </a:ext>
+            </a:extLst>
+          </a:blip>
+          <a:srcRect/>
           <a:stretch>
-            <a:fillRect/>
+            <a:fillRect t="-15000" b="-15000"/>
           </a:stretch>
         </a:blipFill>
       </dgm:spPr>
@@ -3519,15 +3554,15 @@
     </dgm:pt>
   </dgm:ptLst>
   <dgm:cxnLst>
+    <dgm:cxn modelId="{6032973A-C31C-49FC-9AB4-845B8E109DB9}" type="presOf" srcId="{33969C1B-1700-4F13-84AB-94544C06C79F}" destId="{B1581C4A-8B78-48B0-931B-1583D891F113}" srcOrd="0" destOrd="0" presId="urn:microsoft.com/office/officeart/2005/8/layout/vList3#1"/>
     <dgm:cxn modelId="{BA768E6A-4BFD-4EA3-A0A3-7156F7035EF3}" srcId="{2F0085AD-3FEE-4684-A028-27CEA9BD96CF}" destId="{90187079-BFD7-4FB3-9501-E2EC392AEAAB}" srcOrd="2" destOrd="0" parTransId="{48EE8BE0-C877-4CBD-8555-58A957001608}" sibTransId="{D655D7C0-3DD2-4242-AC67-E85857EAB552}"/>
+    <dgm:cxn modelId="{907F4B4F-A174-44CA-915B-8B4C7D04AD53}" type="presOf" srcId="{F48AE5C0-6D63-4FD5-AC33-F11103DBE527}" destId="{44756D16-56F7-4B18-BBA2-2807C6C673B1}" srcOrd="0" destOrd="0" presId="urn:microsoft.com/office/officeart/2005/8/layout/vList3#1"/>
+    <dgm:cxn modelId="{D75723DD-46C8-48C1-9CD3-5919B4E3917C}" srcId="{2F0085AD-3FEE-4684-A028-27CEA9BD96CF}" destId="{F48AE5C0-6D63-4FD5-AC33-F11103DBE527}" srcOrd="0" destOrd="0" parTransId="{7513C6BE-1312-413E-A1AB-E7AAA6F60FC4}" sibTransId="{B25CD712-E623-4632-A551-5527CE665818}"/>
+    <dgm:cxn modelId="{BA2F94F8-E0C2-45F9-8846-F2C8DA1AF974}" srcId="{2F0085AD-3FEE-4684-A028-27CEA9BD96CF}" destId="{245B686A-5558-408F-8D91-146D39CDCEB4}" srcOrd="1" destOrd="0" parTransId="{13BAB049-2817-4BC5-ACA8-FDA5D2F792C6}" sibTransId="{4A248182-9BA1-412E-ADB9-5ABE4B85C5A9}"/>
+    <dgm:cxn modelId="{F7D497D4-AEE1-42A5-87A4-A05AC98BE449}" srcId="{2F0085AD-3FEE-4684-A028-27CEA9BD96CF}" destId="{33969C1B-1700-4F13-84AB-94544C06C79F}" srcOrd="3" destOrd="0" parTransId="{6BEC5037-4C8A-41A5-A1D9-E2C7F6CDCCC3}" sibTransId="{DDD5E310-E67C-4B6F-91BF-431A89EB911F}"/>
     <dgm:cxn modelId="{E00042EB-0DAB-4018-A3AA-F5CFCDFB0AC4}" type="presOf" srcId="{90187079-BFD7-4FB3-9501-E2EC392AEAAB}" destId="{B84E6344-982A-4763-85C6-9A5C273C01DE}" srcOrd="0" destOrd="0" presId="urn:microsoft.com/office/officeart/2005/8/layout/vList3#1"/>
-    <dgm:cxn modelId="{6032973A-C31C-49FC-9AB4-845B8E109DB9}" type="presOf" srcId="{33969C1B-1700-4F13-84AB-94544C06C79F}" destId="{B1581C4A-8B78-48B0-931B-1583D891F113}" srcOrd="0" destOrd="0" presId="urn:microsoft.com/office/officeart/2005/8/layout/vList3#1"/>
-    <dgm:cxn modelId="{F7D497D4-AEE1-42A5-87A4-A05AC98BE449}" srcId="{2F0085AD-3FEE-4684-A028-27CEA9BD96CF}" destId="{33969C1B-1700-4F13-84AB-94544C06C79F}" srcOrd="3" destOrd="0" parTransId="{6BEC5037-4C8A-41A5-A1D9-E2C7F6CDCCC3}" sibTransId="{DDD5E310-E67C-4B6F-91BF-431A89EB911F}"/>
+    <dgm:cxn modelId="{9539AAB1-86B9-46B2-AED6-5E64A568D2E8}" type="presOf" srcId="{2F0085AD-3FEE-4684-A028-27CEA9BD96CF}" destId="{07897F0E-9C85-426E-BA22-8424BB72AC9C}" srcOrd="0" destOrd="0" presId="urn:microsoft.com/office/officeart/2005/8/layout/vList3#1"/>
     <dgm:cxn modelId="{0A124107-A489-4182-BC3F-474562D94340}" type="presOf" srcId="{245B686A-5558-408F-8D91-146D39CDCEB4}" destId="{751F2436-FD14-447F-8D4C-05E151AA4B95}" srcOrd="0" destOrd="0" presId="urn:microsoft.com/office/officeart/2005/8/layout/vList3#1"/>
-    <dgm:cxn modelId="{907F4B4F-A174-44CA-915B-8B4C7D04AD53}" type="presOf" srcId="{F48AE5C0-6D63-4FD5-AC33-F11103DBE527}" destId="{44756D16-56F7-4B18-BBA2-2807C6C673B1}" srcOrd="0" destOrd="0" presId="urn:microsoft.com/office/officeart/2005/8/layout/vList3#1"/>
-    <dgm:cxn modelId="{9539AAB1-86B9-46B2-AED6-5E64A568D2E8}" type="presOf" srcId="{2F0085AD-3FEE-4684-A028-27CEA9BD96CF}" destId="{07897F0E-9C85-426E-BA22-8424BB72AC9C}" srcOrd="0" destOrd="0" presId="urn:microsoft.com/office/officeart/2005/8/layout/vList3#1"/>
-    <dgm:cxn modelId="{BA2F94F8-E0C2-45F9-8846-F2C8DA1AF974}" srcId="{2F0085AD-3FEE-4684-A028-27CEA9BD96CF}" destId="{245B686A-5558-408F-8D91-146D39CDCEB4}" srcOrd="1" destOrd="0" parTransId="{13BAB049-2817-4BC5-ACA8-FDA5D2F792C6}" sibTransId="{4A248182-9BA1-412E-ADB9-5ABE4B85C5A9}"/>
-    <dgm:cxn modelId="{D75723DD-46C8-48C1-9CD3-5919B4E3917C}" srcId="{2F0085AD-3FEE-4684-A028-27CEA9BD96CF}" destId="{F48AE5C0-6D63-4FD5-AC33-F11103DBE527}" srcOrd="0" destOrd="0" parTransId="{7513C6BE-1312-413E-A1AB-E7AAA6F60FC4}" sibTransId="{B25CD712-E623-4632-A551-5527CE665818}"/>
     <dgm:cxn modelId="{5BA91582-93FE-418B-8DC0-33D984BF70CC}" type="presParOf" srcId="{07897F0E-9C85-426E-BA22-8424BB72AC9C}" destId="{1D557732-D193-4BD7-AADE-4097E87FD758}" srcOrd="0" destOrd="0" presId="urn:microsoft.com/office/officeart/2005/8/layout/vList3#1"/>
     <dgm:cxn modelId="{869C0413-D0AB-4C64-BDCA-C1A16AB59321}" type="presParOf" srcId="{1D557732-D193-4BD7-AADE-4097E87FD758}" destId="{2B92E9A7-2C88-4A5C-B7DC-17E43AF25A3D}" srcOrd="0" destOrd="0" presId="urn:microsoft.com/office/officeart/2005/8/layout/vList3#1"/>
     <dgm:cxn modelId="{8729527A-43EB-4C40-AA26-5551514E7889}" type="presParOf" srcId="{1D557732-D193-4BD7-AADE-4097E87FD758}" destId="{44756D16-56F7-4B18-BBA2-2807C6C673B1}" srcOrd="1" destOrd="0" presId="urn:microsoft.com/office/officeart/2005/8/layout/vList3#1"/>
@@ -4114,27 +4149,27 @@
     </dgm:pt>
   </dgm:ptLst>
   <dgm:cxnLst>
+    <dgm:cxn modelId="{B282BBC7-AE80-47C9-B012-D5EFF3F811A4}" srcId="{A78B75C8-C124-49C1-BA22-30EB47A733E5}" destId="{E87B3F61-65F1-4B68-AE85-40E275EA396D}" srcOrd="0" destOrd="0" parTransId="{EB4F37E2-DBD9-4EC6-B54F-C84464188460}" sibTransId="{DCDBCA6C-E252-423B-B083-16FD1ACB6DA8}"/>
+    <dgm:cxn modelId="{881C2D1C-C1B6-4E0C-88E7-D14D7AFE97EB}" srcId="{486E305E-DBE7-4F28-8C20-D83463455095}" destId="{F44DB4AB-C241-4816-8C33-BB723C782D14}" srcOrd="0" destOrd="0" parTransId="{3DB0DF0B-179E-4F46-B580-2CF2C68BFE58}" sibTransId="{85ABA440-B2BE-4F6F-A0B6-BD42AF79A94F}"/>
+    <dgm:cxn modelId="{4ED49652-7A05-4789-ABD4-68F7FEC0C42E}" type="presOf" srcId="{873E7C6D-4746-4FC1-B5B7-1CB7A08B8684}" destId="{B906637B-9292-492B-9B1C-663C76FD70CE}" srcOrd="0" destOrd="0" presId="urn:microsoft.com/office/officeart/2005/8/layout/chevron2"/>
+    <dgm:cxn modelId="{79EF8B9F-D45C-461D-BF7D-AE62E6B65621}" srcId="{2CFC6917-4809-44FE-B7B1-CF99A72CBF90}" destId="{A78B75C8-C124-49C1-BA22-30EB47A733E5}" srcOrd="4" destOrd="0" parTransId="{E6BF3E1D-1B9E-4AE3-A1ED-C8B2A568B0AC}" sibTransId="{D7535B27-1A4B-451A-9F5F-1D3C7744920E}"/>
+    <dgm:cxn modelId="{10D9F9C7-DA66-4566-91EC-4544069E101E}" srcId="{F17FA1AD-229F-4380-9B79-A35AB1E8C40E}" destId="{A879197B-62E5-464B-B19B-10F6E9D4E5C3}" srcOrd="0" destOrd="0" parTransId="{5C4B58FA-6201-4917-8E15-5996891F0AC4}" sibTransId="{C0A5CA63-9321-448A-AB81-8A7C47E75867}"/>
+    <dgm:cxn modelId="{2B3857F7-EFFF-4F02-A8B5-AAB6002C97C1}" type="presOf" srcId="{E87B3F61-65F1-4B68-AE85-40E275EA396D}" destId="{FE220416-5A16-43B6-8FA3-16FEBCD9EA2A}" srcOrd="0" destOrd="0" presId="urn:microsoft.com/office/officeart/2005/8/layout/chevron2"/>
+    <dgm:cxn modelId="{12F9FACA-4F04-4029-A51F-49E0E4F7F9E3}" type="presOf" srcId="{F44DB4AB-C241-4816-8C33-BB723C782D14}" destId="{AE93BB4C-A1F9-44E1-BBC3-00EC685C069E}" srcOrd="0" destOrd="0" presId="urn:microsoft.com/office/officeart/2005/8/layout/chevron2"/>
+    <dgm:cxn modelId="{4F1456BE-3C6A-44C7-89BB-E0F31A8C8431}" srcId="{7B981D9C-CFCA-427A-976E-9C40F5715009}" destId="{873E7C6D-4746-4FC1-B5B7-1CB7A08B8684}" srcOrd="0" destOrd="0" parTransId="{2224DBA7-5DAB-453B-86BB-B4AE0721FBC2}" sibTransId="{CF377DAB-4585-462B-B11B-6BB289BDD861}"/>
+    <dgm:cxn modelId="{929BD632-11E2-4457-AE87-D8ED2A47F5DC}" srcId="{8DCAC55A-CC22-419C-BA29-C13767A348D4}" destId="{8DE45EF3-87AB-4C6C-B02B-959272CA6C80}" srcOrd="0" destOrd="0" parTransId="{7E8EAE5B-C48D-43C6-B2EC-ACADD216D98B}" sibTransId="{A0542C3F-C5D5-4477-9AD1-E784330788B0}"/>
+    <dgm:cxn modelId="{2C4A68B1-C377-4E17-B242-4EE5895DEA7D}" type="presOf" srcId="{A879197B-62E5-464B-B19B-10F6E9D4E5C3}" destId="{6300C602-D1BB-43F9-B59F-D8451AA8508E}" srcOrd="0" destOrd="0" presId="urn:microsoft.com/office/officeart/2005/8/layout/chevron2"/>
+    <dgm:cxn modelId="{8964E8A9-0CFB-4575-881D-467DAAD65FEA}" type="presOf" srcId="{F17FA1AD-229F-4380-9B79-A35AB1E8C40E}" destId="{3C71F09C-B93F-493F-9DE8-3952AF2B5587}" srcOrd="0" destOrd="0" presId="urn:microsoft.com/office/officeart/2005/8/layout/chevron2"/>
+    <dgm:cxn modelId="{F1DADB26-9AF9-43B6-A9C6-C031EEE6F9FA}" type="presOf" srcId="{A78B75C8-C124-49C1-BA22-30EB47A733E5}" destId="{DDF96CC0-BE50-448F-9A70-DAD6D42996E5}" srcOrd="0" destOrd="0" presId="urn:microsoft.com/office/officeart/2005/8/layout/chevron2"/>
+    <dgm:cxn modelId="{76314C23-3588-49ED-9155-0240EA0B1513}" type="presOf" srcId="{486E305E-DBE7-4F28-8C20-D83463455095}" destId="{714421B8-8EE0-4AD3-85BC-E7D4541BE8E5}" srcOrd="0" destOrd="0" presId="urn:microsoft.com/office/officeart/2005/8/layout/chevron2"/>
+    <dgm:cxn modelId="{EA2A3F5D-4339-4655-A113-2A0C5A2279EE}" type="presOf" srcId="{2CFC6917-4809-44FE-B7B1-CF99A72CBF90}" destId="{3698D308-D468-4615-8A3F-BD21C0849758}" srcOrd="0" destOrd="0" presId="urn:microsoft.com/office/officeart/2005/8/layout/chevron2"/>
     <dgm:cxn modelId="{C077C4E5-0F33-4331-8DC4-51B6343E16FF}" srcId="{2CFC6917-4809-44FE-B7B1-CF99A72CBF90}" destId="{7B981D9C-CFCA-427A-976E-9C40F5715009}" srcOrd="0" destOrd="0" parTransId="{3E103BE7-9AB0-42BF-ABD2-84574AD4AB83}" sibTransId="{1603B902-5663-4E2D-B09E-F0DEFBA4C6A5}"/>
-    <dgm:cxn modelId="{2B3857F7-EFFF-4F02-A8B5-AAB6002C97C1}" type="presOf" srcId="{E87B3F61-65F1-4B68-AE85-40E275EA396D}" destId="{FE220416-5A16-43B6-8FA3-16FEBCD9EA2A}" srcOrd="0" destOrd="0" presId="urn:microsoft.com/office/officeart/2005/8/layout/chevron2"/>
-    <dgm:cxn modelId="{881C2D1C-C1B6-4E0C-88E7-D14D7AFE97EB}" srcId="{486E305E-DBE7-4F28-8C20-D83463455095}" destId="{F44DB4AB-C241-4816-8C33-BB723C782D14}" srcOrd="0" destOrd="0" parTransId="{3DB0DF0B-179E-4F46-B580-2CF2C68BFE58}" sibTransId="{85ABA440-B2BE-4F6F-A0B6-BD42AF79A94F}"/>
-    <dgm:cxn modelId="{10D9F9C7-DA66-4566-91EC-4544069E101E}" srcId="{F17FA1AD-229F-4380-9B79-A35AB1E8C40E}" destId="{A879197B-62E5-464B-B19B-10F6E9D4E5C3}" srcOrd="0" destOrd="0" parTransId="{5C4B58FA-6201-4917-8E15-5996891F0AC4}" sibTransId="{C0A5CA63-9321-448A-AB81-8A7C47E75867}"/>
-    <dgm:cxn modelId="{4ED49652-7A05-4789-ABD4-68F7FEC0C42E}" type="presOf" srcId="{873E7C6D-4746-4FC1-B5B7-1CB7A08B8684}" destId="{B906637B-9292-492B-9B1C-663C76FD70CE}" srcOrd="0" destOrd="0" presId="urn:microsoft.com/office/officeart/2005/8/layout/chevron2"/>
-    <dgm:cxn modelId="{8964E8A9-0CFB-4575-881D-467DAAD65FEA}" type="presOf" srcId="{F17FA1AD-229F-4380-9B79-A35AB1E8C40E}" destId="{3C71F09C-B93F-493F-9DE8-3952AF2B5587}" srcOrd="0" destOrd="0" presId="urn:microsoft.com/office/officeart/2005/8/layout/chevron2"/>
-    <dgm:cxn modelId="{929BD632-11E2-4457-AE87-D8ED2A47F5DC}" srcId="{8DCAC55A-CC22-419C-BA29-C13767A348D4}" destId="{8DE45EF3-87AB-4C6C-B02B-959272CA6C80}" srcOrd="0" destOrd="0" parTransId="{7E8EAE5B-C48D-43C6-B2EC-ACADD216D98B}" sibTransId="{A0542C3F-C5D5-4477-9AD1-E784330788B0}"/>
-    <dgm:cxn modelId="{12F9FACA-4F04-4029-A51F-49E0E4F7F9E3}" type="presOf" srcId="{F44DB4AB-C241-4816-8C33-BB723C782D14}" destId="{AE93BB4C-A1F9-44E1-BBC3-00EC685C069E}" srcOrd="0" destOrd="0" presId="urn:microsoft.com/office/officeart/2005/8/layout/chevron2"/>
-    <dgm:cxn modelId="{B282BBC7-AE80-47C9-B012-D5EFF3F811A4}" srcId="{A78B75C8-C124-49C1-BA22-30EB47A733E5}" destId="{E87B3F61-65F1-4B68-AE85-40E275EA396D}" srcOrd="0" destOrd="0" parTransId="{EB4F37E2-DBD9-4EC6-B54F-C84464188460}" sibTransId="{DCDBCA6C-E252-423B-B083-16FD1ACB6DA8}"/>
-    <dgm:cxn modelId="{79EF8B9F-D45C-461D-BF7D-AE62E6B65621}" srcId="{2CFC6917-4809-44FE-B7B1-CF99A72CBF90}" destId="{A78B75C8-C124-49C1-BA22-30EB47A733E5}" srcOrd="4" destOrd="0" parTransId="{E6BF3E1D-1B9E-4AE3-A1ED-C8B2A568B0AC}" sibTransId="{D7535B27-1A4B-451A-9F5F-1D3C7744920E}"/>
-    <dgm:cxn modelId="{309F167D-16A9-4AE3-A450-C0897E97FD66}" type="presOf" srcId="{8DCAC55A-CC22-419C-BA29-C13767A348D4}" destId="{6C6089E2-CC9F-4B15-9340-471794AA6497}" srcOrd="0" destOrd="0" presId="urn:microsoft.com/office/officeart/2005/8/layout/chevron2"/>
     <dgm:cxn modelId="{ADD38117-D109-4846-A256-A2AB350609AF}" srcId="{2CFC6917-4809-44FE-B7B1-CF99A72CBF90}" destId="{F17FA1AD-229F-4380-9B79-A35AB1E8C40E}" srcOrd="2" destOrd="0" parTransId="{0E257172-0852-4038-A428-ACB0C1AF8B00}" sibTransId="{49683FF3-3D25-47E9-A897-84F0D8065943}"/>
     <dgm:cxn modelId="{618FAFCB-EE60-445A-B01E-5C4DCEC1D505}" srcId="{2CFC6917-4809-44FE-B7B1-CF99A72CBF90}" destId="{8DCAC55A-CC22-419C-BA29-C13767A348D4}" srcOrd="1" destOrd="0" parTransId="{74B9BE7F-86FF-4650-B5C2-9C058DEF2B99}" sibTransId="{98F1EDB5-60BD-4A8A-8542-0921E3E812CD}"/>
+    <dgm:cxn modelId="{9265EC28-8DA7-4024-8D24-560B53B8AC11}" type="presOf" srcId="{8DE45EF3-87AB-4C6C-B02B-959272CA6C80}" destId="{F3941597-564A-4445-A978-EB3D1D15058B}" srcOrd="0" destOrd="0" presId="urn:microsoft.com/office/officeart/2005/8/layout/chevron2"/>
+    <dgm:cxn modelId="{9F54032A-8790-4852-94D5-63856EADB9A4}" type="presOf" srcId="{7B981D9C-CFCA-427A-976E-9C40F5715009}" destId="{E2F446D9-D3A3-496C-81A4-481E6CEEEB6E}" srcOrd="0" destOrd="0" presId="urn:microsoft.com/office/officeart/2005/8/layout/chevron2"/>
+    <dgm:cxn modelId="{309F167D-16A9-4AE3-A450-C0897E97FD66}" type="presOf" srcId="{8DCAC55A-CC22-419C-BA29-C13767A348D4}" destId="{6C6089E2-CC9F-4B15-9340-471794AA6497}" srcOrd="0" destOrd="0" presId="urn:microsoft.com/office/officeart/2005/8/layout/chevron2"/>
     <dgm:cxn modelId="{159BD872-76CA-4EF2-B05F-2865357CF173}" srcId="{2CFC6917-4809-44FE-B7B1-CF99A72CBF90}" destId="{486E305E-DBE7-4F28-8C20-D83463455095}" srcOrd="3" destOrd="0" parTransId="{9FB2BC63-BE79-4732-A9B1-10E78240829C}" sibTransId="{6E8F97E9-E786-4347-93F5-2E66FCD8F8A5}"/>
-    <dgm:cxn modelId="{2C4A68B1-C377-4E17-B242-4EE5895DEA7D}" type="presOf" srcId="{A879197B-62E5-464B-B19B-10F6E9D4E5C3}" destId="{6300C602-D1BB-43F9-B59F-D8451AA8508E}" srcOrd="0" destOrd="0" presId="urn:microsoft.com/office/officeart/2005/8/layout/chevron2"/>
-    <dgm:cxn modelId="{76314C23-3588-49ED-9155-0240EA0B1513}" type="presOf" srcId="{486E305E-DBE7-4F28-8C20-D83463455095}" destId="{714421B8-8EE0-4AD3-85BC-E7D4541BE8E5}" srcOrd="0" destOrd="0" presId="urn:microsoft.com/office/officeart/2005/8/layout/chevron2"/>
-    <dgm:cxn modelId="{EA2A3F5D-4339-4655-A113-2A0C5A2279EE}" type="presOf" srcId="{2CFC6917-4809-44FE-B7B1-CF99A72CBF90}" destId="{3698D308-D468-4615-8A3F-BD21C0849758}" srcOrd="0" destOrd="0" presId="urn:microsoft.com/office/officeart/2005/8/layout/chevron2"/>
-    <dgm:cxn modelId="{9F54032A-8790-4852-94D5-63856EADB9A4}" type="presOf" srcId="{7B981D9C-CFCA-427A-976E-9C40F5715009}" destId="{E2F446D9-D3A3-496C-81A4-481E6CEEEB6E}" srcOrd="0" destOrd="0" presId="urn:microsoft.com/office/officeart/2005/8/layout/chevron2"/>
-    <dgm:cxn modelId="{F1DADB26-9AF9-43B6-A9C6-C031EEE6F9FA}" type="presOf" srcId="{A78B75C8-C124-49C1-BA22-30EB47A733E5}" destId="{DDF96CC0-BE50-448F-9A70-DAD6D42996E5}" srcOrd="0" destOrd="0" presId="urn:microsoft.com/office/officeart/2005/8/layout/chevron2"/>
-    <dgm:cxn modelId="{9265EC28-8DA7-4024-8D24-560B53B8AC11}" type="presOf" srcId="{8DE45EF3-87AB-4C6C-B02B-959272CA6C80}" destId="{F3941597-564A-4445-A978-EB3D1D15058B}" srcOrd="0" destOrd="0" presId="urn:microsoft.com/office/officeart/2005/8/layout/chevron2"/>
-    <dgm:cxn modelId="{4F1456BE-3C6A-44C7-89BB-E0F31A8C8431}" srcId="{7B981D9C-CFCA-427A-976E-9C40F5715009}" destId="{873E7C6D-4746-4FC1-B5B7-1CB7A08B8684}" srcOrd="0" destOrd="0" parTransId="{2224DBA7-5DAB-453B-86BB-B4AE0721FBC2}" sibTransId="{CF377DAB-4585-462B-B11B-6BB289BDD861}"/>
     <dgm:cxn modelId="{E67D1783-7295-4BEA-B5BB-D02D955A3E67}" type="presParOf" srcId="{3698D308-D468-4615-8A3F-BD21C0849758}" destId="{CFA90355-9773-4613-91DF-55C491A15105}" srcOrd="0" destOrd="0" presId="urn:microsoft.com/office/officeart/2005/8/layout/chevron2"/>
     <dgm:cxn modelId="{3A0FEE32-E50D-46E9-8956-CFE67251B29F}" type="presParOf" srcId="{CFA90355-9773-4613-91DF-55C491A15105}" destId="{E2F446D9-D3A3-496C-81A4-481E6CEEEB6E}" srcOrd="0" destOrd="0" presId="urn:microsoft.com/office/officeart/2005/8/layout/chevron2"/>
     <dgm:cxn modelId="{7F1886BF-C470-4693-B0F4-6B95B5E22173}" type="presParOf" srcId="{CFA90355-9773-4613-91DF-55C491A15105}" destId="{B906637B-9292-492B-9B1C-663C76FD70CE}" srcOrd="1" destOrd="0" presId="urn:microsoft.com/office/officeart/2005/8/layout/chevron2"/>
@@ -4448,18 +4483,46 @@
         </dgm:presLayoutVars>
       </dgm:prSet>
       <dgm:spPr/>
+      <dgm:t>
+        <a:bodyPr/>
+        <a:lstStyle/>
+        <a:p>
+          <a:endParaRPr lang="en-US"/>
+        </a:p>
+      </dgm:t>
     </dgm:pt>
     <dgm:pt modelId="{E9158EAB-C2BD-4675-AB90-788A8D076678}" type="pres">
       <dgm:prSet presAssocID="{065CE9CA-CBCC-4DD7-803D-179E020C2513}" presName="centerShape" presStyleLbl="node0" presStyleIdx="0" presStyleCnt="1"/>
       <dgm:spPr/>
+      <dgm:t>
+        <a:bodyPr/>
+        <a:lstStyle/>
+        <a:p>
+          <a:endParaRPr lang="en-US"/>
+        </a:p>
+      </dgm:t>
     </dgm:pt>
     <dgm:pt modelId="{EDF31EDF-33DE-488C-82CF-FB517834BA0D}" type="pres">
       <dgm:prSet presAssocID="{1958D88D-D998-4F3F-B9D6-D7CBDB9BC85E}" presName="Name9" presStyleLbl="parChTrans1D2" presStyleIdx="0" presStyleCnt="6"/>
       <dgm:spPr/>
+      <dgm:t>
+        <a:bodyPr/>
+        <a:lstStyle/>
+        <a:p>
+          <a:endParaRPr lang="en-US"/>
+        </a:p>
+      </dgm:t>
     </dgm:pt>
     <dgm:pt modelId="{246987C6-DF08-4638-A4A3-81B1603228BB}" type="pres">
       <dgm:prSet presAssocID="{1958D88D-D998-4F3F-B9D6-D7CBDB9BC85E}" presName="connTx" presStyleLbl="parChTrans1D2" presStyleIdx="0" presStyleCnt="6"/>
       <dgm:spPr/>
+      <dgm:t>
+        <a:bodyPr/>
+        <a:lstStyle/>
+        <a:p>
+          <a:endParaRPr lang="en-US"/>
+        </a:p>
+      </dgm:t>
     </dgm:pt>
     <dgm:pt modelId="{E230C5D5-CE5E-4924-A48C-C9FCA1DCF3B2}" type="pres">
       <dgm:prSet presAssocID="{FDD378AB-0A03-42BD-A678-E10CEFBA602E}" presName="node" presStyleLbl="node1" presStyleIdx="0" presStyleCnt="6">
@@ -4479,10 +4542,24 @@
     <dgm:pt modelId="{E62378DA-A210-47C5-88ED-2B6616695F31}" type="pres">
       <dgm:prSet presAssocID="{5EE06ED4-0796-4C3C-96A5-CD0E939046E4}" presName="Name9" presStyleLbl="parChTrans1D2" presStyleIdx="1" presStyleCnt="6"/>
       <dgm:spPr/>
+      <dgm:t>
+        <a:bodyPr/>
+        <a:lstStyle/>
+        <a:p>
+          <a:endParaRPr lang="en-US"/>
+        </a:p>
+      </dgm:t>
     </dgm:pt>
     <dgm:pt modelId="{13C9B11F-6444-4D94-A87D-97D1AF2901B2}" type="pres">
       <dgm:prSet presAssocID="{5EE06ED4-0796-4C3C-96A5-CD0E939046E4}" presName="connTx" presStyleLbl="parChTrans1D2" presStyleIdx="1" presStyleCnt="6"/>
       <dgm:spPr/>
+      <dgm:t>
+        <a:bodyPr/>
+        <a:lstStyle/>
+        <a:p>
+          <a:endParaRPr lang="en-US"/>
+        </a:p>
+      </dgm:t>
     </dgm:pt>
     <dgm:pt modelId="{4422BF5E-F0D6-4CC8-95F0-4FE8C9CF495A}" type="pres">
       <dgm:prSet presAssocID="{20B63691-D1BD-4265-98FF-9D2EBCEFE98C}" presName="node" presStyleLbl="node1" presStyleIdx="1" presStyleCnt="6">
@@ -4491,14 +4568,35 @@
         </dgm:presLayoutVars>
       </dgm:prSet>
       <dgm:spPr/>
+      <dgm:t>
+        <a:bodyPr/>
+        <a:lstStyle/>
+        <a:p>
+          <a:endParaRPr lang="en-US"/>
+        </a:p>
+      </dgm:t>
     </dgm:pt>
     <dgm:pt modelId="{C977B9A1-BB27-4137-9733-370DD1957A8C}" type="pres">
       <dgm:prSet presAssocID="{B23E37B2-ABF3-437B-9A44-DE8461E16AA2}" presName="Name9" presStyleLbl="parChTrans1D2" presStyleIdx="2" presStyleCnt="6"/>
       <dgm:spPr/>
+      <dgm:t>
+        <a:bodyPr/>
+        <a:lstStyle/>
+        <a:p>
+          <a:endParaRPr lang="en-US"/>
+        </a:p>
+      </dgm:t>
     </dgm:pt>
     <dgm:pt modelId="{0FE606F7-69DB-4528-A000-6D88190C28B0}" type="pres">
       <dgm:prSet presAssocID="{B23E37B2-ABF3-437B-9A44-DE8461E16AA2}" presName="connTx" presStyleLbl="parChTrans1D2" presStyleIdx="2" presStyleCnt="6"/>
       <dgm:spPr/>
+      <dgm:t>
+        <a:bodyPr/>
+        <a:lstStyle/>
+        <a:p>
+          <a:endParaRPr lang="en-US"/>
+        </a:p>
+      </dgm:t>
     </dgm:pt>
     <dgm:pt modelId="{7360CB10-162E-42CA-A4C4-61FA43C3359B}" type="pres">
       <dgm:prSet presAssocID="{2C42F7B6-3C4F-4BEC-BFC5-C157D3998FD7}" presName="node" presStyleLbl="node1" presStyleIdx="2" presStyleCnt="6">
@@ -4507,14 +4605,35 @@
         </dgm:presLayoutVars>
       </dgm:prSet>
       <dgm:spPr/>
+      <dgm:t>
+        <a:bodyPr/>
+        <a:lstStyle/>
+        <a:p>
+          <a:endParaRPr lang="en-US"/>
+        </a:p>
+      </dgm:t>
     </dgm:pt>
     <dgm:pt modelId="{7E29B177-3B08-4EC2-A162-C217A2BC1543}" type="pres">
       <dgm:prSet presAssocID="{82FF1B9A-FC88-48E1-936E-3873EA698571}" presName="Name9" presStyleLbl="parChTrans1D2" presStyleIdx="3" presStyleCnt="6"/>
       <dgm:spPr/>
+      <dgm:t>
+        <a:bodyPr/>
+        <a:lstStyle/>
+        <a:p>
+          <a:endParaRPr lang="en-US"/>
+        </a:p>
+      </dgm:t>
     </dgm:pt>
     <dgm:pt modelId="{FDDC0698-E27C-44EF-8462-289756FA89AF}" type="pres">
       <dgm:prSet presAssocID="{82FF1B9A-FC88-48E1-936E-3873EA698571}" presName="connTx" presStyleLbl="parChTrans1D2" presStyleIdx="3" presStyleCnt="6"/>
       <dgm:spPr/>
+      <dgm:t>
+        <a:bodyPr/>
+        <a:lstStyle/>
+        <a:p>
+          <a:endParaRPr lang="en-US"/>
+        </a:p>
+      </dgm:t>
     </dgm:pt>
     <dgm:pt modelId="{2BB1DD6D-6DB8-4926-9018-1B8B1487E760}" type="pres">
       <dgm:prSet presAssocID="{C263A00E-AE3C-4BC6-89C3-F4FAB6C8CA1C}" presName="node" presStyleLbl="node1" presStyleIdx="3" presStyleCnt="6">
@@ -4523,14 +4642,35 @@
         </dgm:presLayoutVars>
       </dgm:prSet>
       <dgm:spPr/>
+      <dgm:t>
+        <a:bodyPr/>
+        <a:lstStyle/>
+        <a:p>
+          <a:endParaRPr lang="en-US"/>
+        </a:p>
+      </dgm:t>
     </dgm:pt>
     <dgm:pt modelId="{2586EF2B-E718-4353-A0F3-D1B88FBE6BA8}" type="pres">
       <dgm:prSet presAssocID="{A916BC95-469F-4DAA-BE53-2F1F0F8CA878}" presName="Name9" presStyleLbl="parChTrans1D2" presStyleIdx="4" presStyleCnt="6"/>
       <dgm:spPr/>
+      <dgm:t>
+        <a:bodyPr/>
+        <a:lstStyle/>
+        <a:p>
+          <a:endParaRPr lang="en-US"/>
+        </a:p>
+      </dgm:t>
     </dgm:pt>
     <dgm:pt modelId="{23B83654-57E3-4EA9-9AAB-23E57B75C203}" type="pres">
       <dgm:prSet presAssocID="{A916BC95-469F-4DAA-BE53-2F1F0F8CA878}" presName="connTx" presStyleLbl="parChTrans1D2" presStyleIdx="4" presStyleCnt="6"/>
       <dgm:spPr/>
+      <dgm:t>
+        <a:bodyPr/>
+        <a:lstStyle/>
+        <a:p>
+          <a:endParaRPr lang="en-US"/>
+        </a:p>
+      </dgm:t>
     </dgm:pt>
     <dgm:pt modelId="{C716E15F-CCEF-42AD-A4FC-B3E8A82591DB}" type="pres">
       <dgm:prSet presAssocID="{8A856485-210F-4691-8B67-C7B1F86F6FD7}" presName="node" presStyleLbl="node1" presStyleIdx="4" presStyleCnt="6">
@@ -4539,14 +4679,35 @@
         </dgm:presLayoutVars>
       </dgm:prSet>
       <dgm:spPr/>
+      <dgm:t>
+        <a:bodyPr/>
+        <a:lstStyle/>
+        <a:p>
+          <a:endParaRPr lang="en-US"/>
+        </a:p>
+      </dgm:t>
     </dgm:pt>
     <dgm:pt modelId="{40F5C32E-18F5-43BF-AED0-15387FE10F8D}" type="pres">
       <dgm:prSet presAssocID="{8BF5D0D6-EA9D-477B-ABE0-AFA60D403D39}" presName="Name9" presStyleLbl="parChTrans1D2" presStyleIdx="5" presStyleCnt="6"/>
       <dgm:spPr/>
+      <dgm:t>
+        <a:bodyPr/>
+        <a:lstStyle/>
+        <a:p>
+          <a:endParaRPr lang="en-US"/>
+        </a:p>
+      </dgm:t>
     </dgm:pt>
     <dgm:pt modelId="{A57626BD-895C-4D88-B22A-4A1EA0C2003F}" type="pres">
       <dgm:prSet presAssocID="{8BF5D0D6-EA9D-477B-ABE0-AFA60D403D39}" presName="connTx" presStyleLbl="parChTrans1D2" presStyleIdx="5" presStyleCnt="6"/>
       <dgm:spPr/>
+      <dgm:t>
+        <a:bodyPr/>
+        <a:lstStyle/>
+        <a:p>
+          <a:endParaRPr lang="en-US"/>
+        </a:p>
+      </dgm:t>
     </dgm:pt>
     <dgm:pt modelId="{66FDD429-77C3-43F2-B54A-D595BE7146C9}" type="pres">
       <dgm:prSet presAssocID="{6F2021BD-F09D-473B-8C45-77CE36DD003F}" presName="node" presStyleLbl="node1" presStyleIdx="5" presStyleCnt="6">
@@ -4555,6 +4716,13 @@
         </dgm:presLayoutVars>
       </dgm:prSet>
       <dgm:spPr/>
+      <dgm:t>
+        <a:bodyPr/>
+        <a:lstStyle/>
+        <a:p>
+          <a:endParaRPr lang="en-US"/>
+        </a:p>
+      </dgm:t>
     </dgm:pt>
   </dgm:ptLst>
   <dgm:cxnLst>
@@ -4572,8 +4740,8 @@
     <dgm:cxn modelId="{3A153A4F-C9C0-4C16-A923-E14A2263C339}" type="presOf" srcId="{82FF1B9A-FC88-48E1-936E-3873EA698571}" destId="{FDDC0698-E27C-44EF-8462-289756FA89AF}" srcOrd="1" destOrd="0" presId="urn:microsoft.com/office/officeart/2005/8/layout/radial1"/>
     <dgm:cxn modelId="{248885C7-96C5-4194-8E1C-14CF54B11470}" srcId="{065CE9CA-CBCC-4DD7-803D-179E020C2513}" destId="{FDD378AB-0A03-42BD-A678-E10CEFBA602E}" srcOrd="0" destOrd="0" parTransId="{1958D88D-D998-4F3F-B9D6-D7CBDB9BC85E}" sibTransId="{99E5143A-55E7-46F1-8667-FB67D5D6120B}"/>
     <dgm:cxn modelId="{6F18B939-180F-41CB-B26C-D87CC98E0AA6}" type="presOf" srcId="{20B63691-D1BD-4265-98FF-9D2EBCEFE98C}" destId="{4422BF5E-F0D6-4CC8-95F0-4FE8C9CF495A}" srcOrd="0" destOrd="0" presId="urn:microsoft.com/office/officeart/2005/8/layout/radial1"/>
+    <dgm:cxn modelId="{C935BE02-4820-4588-875D-E2DDEC51532D}" type="presOf" srcId="{B23E37B2-ABF3-437B-9A44-DE8461E16AA2}" destId="{0FE606F7-69DB-4528-A000-6D88190C28B0}" srcOrd="1" destOrd="0" presId="urn:microsoft.com/office/officeart/2005/8/layout/radial1"/>
     <dgm:cxn modelId="{CEA5406C-C56C-454F-9D75-27E98DF1162D}" type="presOf" srcId="{8BF5D0D6-EA9D-477B-ABE0-AFA60D403D39}" destId="{A57626BD-895C-4D88-B22A-4A1EA0C2003F}" srcOrd="1" destOrd="0" presId="urn:microsoft.com/office/officeart/2005/8/layout/radial1"/>
-    <dgm:cxn modelId="{C935BE02-4820-4588-875D-E2DDEC51532D}" type="presOf" srcId="{B23E37B2-ABF3-437B-9A44-DE8461E16AA2}" destId="{0FE606F7-69DB-4528-A000-6D88190C28B0}" srcOrd="1" destOrd="0" presId="urn:microsoft.com/office/officeart/2005/8/layout/radial1"/>
     <dgm:cxn modelId="{9728169C-F1C0-42A1-94D6-2C0C29782073}" srcId="{065CE9CA-CBCC-4DD7-803D-179E020C2513}" destId="{20B63691-D1BD-4265-98FF-9D2EBCEFE98C}" srcOrd="1" destOrd="0" parTransId="{5EE06ED4-0796-4C3C-96A5-CD0E939046E4}" sibTransId="{06EDE60D-1AAE-4E2F-ADAB-15DD6620D11A}"/>
     <dgm:cxn modelId="{7D9519D7-D8D4-4A35-BBA6-2BAF13C46246}" srcId="{EDB595E3-33CC-4F22-AB84-CDD599BACC75}" destId="{065CE9CA-CBCC-4DD7-803D-179E020C2513}" srcOrd="0" destOrd="0" parTransId="{BE3A4FDA-334C-40EF-A140-7B6F9C705759}" sibTransId="{6E3E5B50-99CF-4AD1-9EE9-E13F110417B5}"/>
     <dgm:cxn modelId="{146A010D-759C-49B4-BF38-6788E030F17B}" srcId="{065CE9CA-CBCC-4DD7-803D-179E020C2513}" destId="{C263A00E-AE3C-4BC6-89C3-F4FAB6C8CA1C}" srcOrd="3" destOrd="0" parTransId="{82FF1B9A-FC88-48E1-936E-3873EA698571}" sibTransId="{74F47F76-C1BD-4AAE-85AB-B2AE15852680}"/>
@@ -4825,6 +4993,13 @@
         </dgm:presLayoutVars>
       </dgm:prSet>
       <dgm:spPr/>
+      <dgm:t>
+        <a:bodyPr/>
+        <a:lstStyle/>
+        <a:p>
+          <a:endParaRPr lang="en-US"/>
+        </a:p>
+      </dgm:t>
     </dgm:pt>
     <dgm:pt modelId="{F74F5A66-E7AF-4F77-BA9B-318E88A35004}" type="pres">
       <dgm:prSet presAssocID="{6665DBA6-150E-48B4-BA28-F36381F5DD96}" presName="hierRoot1" presStyleCnt="0"/>
@@ -4845,6 +5020,13 @@
         </dgm:presLayoutVars>
       </dgm:prSet>
       <dgm:spPr/>
+      <dgm:t>
+        <a:bodyPr/>
+        <a:lstStyle/>
+        <a:p>
+          <a:endParaRPr lang="en-US"/>
+        </a:p>
+      </dgm:t>
     </dgm:pt>
     <dgm:pt modelId="{ABEAAA91-1CD4-4C51-B53C-F1EBDF4886B4}" type="pres">
       <dgm:prSet presAssocID="{6665DBA6-150E-48B4-BA28-F36381F5DD96}" presName="hierChild2" presStyleCnt="0"/>
@@ -4853,6 +5035,13 @@
     <dgm:pt modelId="{CDE4DE86-95E2-4110-B484-B023952CE351}" type="pres">
       <dgm:prSet presAssocID="{6F13DC17-E2BD-4D79-870F-9F29341B4A51}" presName="Name10" presStyleLbl="parChTrans1D2" presStyleIdx="0" presStyleCnt="2"/>
       <dgm:spPr/>
+      <dgm:t>
+        <a:bodyPr/>
+        <a:lstStyle/>
+        <a:p>
+          <a:endParaRPr lang="en-US"/>
+        </a:p>
+      </dgm:t>
     </dgm:pt>
     <dgm:pt modelId="{67916350-5CB4-4536-BCCD-A358E1748D9F}" type="pres">
       <dgm:prSet presAssocID="{37821988-3550-4CD3-8E2E-B544563CFF7B}" presName="hierRoot2" presStyleCnt="0"/>
@@ -4873,6 +5062,13 @@
         </dgm:presLayoutVars>
       </dgm:prSet>
       <dgm:spPr/>
+      <dgm:t>
+        <a:bodyPr/>
+        <a:lstStyle/>
+        <a:p>
+          <a:endParaRPr lang="en-US"/>
+        </a:p>
+      </dgm:t>
     </dgm:pt>
     <dgm:pt modelId="{7EB1270A-28CF-466E-885E-A9655250FA6B}" type="pres">
       <dgm:prSet presAssocID="{37821988-3550-4CD3-8E2E-B544563CFF7B}" presName="hierChild3" presStyleCnt="0"/>
@@ -4881,6 +5077,13 @@
     <dgm:pt modelId="{2D88E3CE-F621-4DE3-912A-3AC913B5DC4A}" type="pres">
       <dgm:prSet presAssocID="{F37646ED-6D80-4709-BA95-BFC54DC967BB}" presName="Name17" presStyleLbl="parChTrans1D3" presStyleIdx="0" presStyleCnt="2"/>
       <dgm:spPr/>
+      <dgm:t>
+        <a:bodyPr/>
+        <a:lstStyle/>
+        <a:p>
+          <a:endParaRPr lang="en-US"/>
+        </a:p>
+      </dgm:t>
     </dgm:pt>
     <dgm:pt modelId="{DFBD9714-1C37-4976-B679-4052AA1CCC5F}" type="pres">
       <dgm:prSet presAssocID="{66F487F5-CA46-4898-ABEB-95903A33C80F}" presName="hierRoot3" presStyleCnt="0"/>
@@ -4916,6 +5119,13 @@
     <dgm:pt modelId="{154BDFDB-5DB0-47D2-9583-BAEFE2A10CB1}" type="pres">
       <dgm:prSet presAssocID="{4855C9F3-4D68-4465-959B-3C10E6E8919D}" presName="Name10" presStyleLbl="parChTrans1D2" presStyleIdx="1" presStyleCnt="2"/>
       <dgm:spPr/>
+      <dgm:t>
+        <a:bodyPr/>
+        <a:lstStyle/>
+        <a:p>
+          <a:endParaRPr lang="en-US"/>
+        </a:p>
+      </dgm:t>
     </dgm:pt>
     <dgm:pt modelId="{25336286-3533-4C65-B304-35AAD35F8ABF}" type="pres">
       <dgm:prSet presAssocID="{DCFD3D3F-88AC-4D9C-BAA9-4E2D3E14759C}" presName="hierRoot2" presStyleCnt="0"/>
@@ -4936,6 +5146,13 @@
         </dgm:presLayoutVars>
       </dgm:prSet>
       <dgm:spPr/>
+      <dgm:t>
+        <a:bodyPr/>
+        <a:lstStyle/>
+        <a:p>
+          <a:endParaRPr lang="en-US"/>
+        </a:p>
+      </dgm:t>
     </dgm:pt>
     <dgm:pt modelId="{C5E93F91-4C3B-489E-A2A8-98D1B6367E6E}" type="pres">
       <dgm:prSet presAssocID="{DCFD3D3F-88AC-4D9C-BAA9-4E2D3E14759C}" presName="hierChild3" presStyleCnt="0"/>
@@ -4944,6 +5161,13 @@
     <dgm:pt modelId="{14836AF8-8DA1-418E-9A4D-A3C005BBBB59}" type="pres">
       <dgm:prSet presAssocID="{82E9BDFF-4975-4E6A-AD3B-F89B3F31A8B0}" presName="Name17" presStyleLbl="parChTrans1D3" presStyleIdx="1" presStyleCnt="2"/>
       <dgm:spPr/>
+      <dgm:t>
+        <a:bodyPr/>
+        <a:lstStyle/>
+        <a:p>
+          <a:endParaRPr lang="en-US"/>
+        </a:p>
+      </dgm:t>
     </dgm:pt>
     <dgm:pt modelId="{ABF578EF-C032-441B-9594-9BBB8E348132}" type="pres">
       <dgm:prSet presAssocID="{69F51527-3510-44EF-8D6A-0B14620E37D0}" presName="hierRoot3" presStyleCnt="0"/>
@@ -5048,8 +5272,8 @@
       </dsp:nvSpPr>
       <dsp:spPr>
         <a:xfrm rot="10800000">
-          <a:off x="1208711" y="1808"/>
-          <a:ext cx="3882999" cy="922651"/>
+          <a:off x="1125830" y="2059"/>
+          <a:ext cx="3648455" cy="827433"/>
         </a:xfrm>
         <a:prstGeom prst="homePlate">
           <a:avLst/>
@@ -5090,7 +5314,7 @@
         </a:fontRef>
       </dsp:style>
       <dsp:txBody>
-        <a:bodyPr spcFirstLastPara="0" vert="horz" wrap="square" lIns="406864" tIns="53340" rIns="99568" bIns="53340" numCol="1" spcCol="1270" anchor="ctr" anchorCtr="0">
+        <a:bodyPr spcFirstLastPara="0" vert="horz" wrap="square" lIns="364875" tIns="53340" rIns="99568" bIns="53340" numCol="1" spcCol="1270" anchor="ctr" anchorCtr="0">
           <a:noAutofit/>
         </a:bodyPr>
         <a:lstStyle/>
@@ -5148,8 +5372,8 @@
         </a:p>
       </dsp:txBody>
       <dsp:txXfrm rot="10800000">
-        <a:off x="1439374" y="1808"/>
-        <a:ext cx="3652336" cy="922651"/>
+        <a:off x="1332688" y="2059"/>
+        <a:ext cx="3441597" cy="827433"/>
       </dsp:txXfrm>
     </dsp:sp>
     <dsp:sp modelId="{2B92E9A7-2C88-4A5C-B7DC-17E43AF25A3D}">
@@ -5159,8 +5383,8 @@
       </dsp:nvSpPr>
       <dsp:spPr>
         <a:xfrm>
-          <a:off x="747385" y="1808"/>
-          <a:ext cx="922651" cy="922651"/>
+          <a:off x="712113" y="2059"/>
+          <a:ext cx="827433" cy="827433"/>
         </a:xfrm>
         <a:prstGeom prst="ellipse">
           <a:avLst/>
@@ -5204,8 +5428,8 @@
       </dsp:nvSpPr>
       <dsp:spPr>
         <a:xfrm rot="10800000">
-          <a:off x="1208711" y="1199877"/>
-          <a:ext cx="3882999" cy="922651"/>
+          <a:off x="1125830" y="1076487"/>
+          <a:ext cx="3648455" cy="827433"/>
         </a:xfrm>
         <a:prstGeom prst="homePlate">
           <a:avLst/>
@@ -5246,12 +5470,12 @@
         </a:fontRef>
       </dsp:style>
       <dsp:txBody>
-        <a:bodyPr spcFirstLastPara="0" vert="horz" wrap="square" lIns="406864" tIns="53340" rIns="99568" bIns="53340" numCol="1" spcCol="1270" anchor="ctr" anchorCtr="0">
+        <a:bodyPr spcFirstLastPara="0" vert="horz" wrap="square" lIns="364875" tIns="76200" rIns="142240" bIns="76200" numCol="1" spcCol="1270" anchor="ctr" anchorCtr="0">
           <a:noAutofit/>
         </a:bodyPr>
         <a:lstStyle/>
         <a:p>
-          <a:pPr lvl="0" algn="ctr" defTabSz="622300">
+          <a:pPr lvl="0" algn="ctr" defTabSz="889000">
             <a:lnSpc>
               <a:spcPct val="90000"/>
             </a:lnSpc>
@@ -5263,12 +5487,21 @@
             </a:spcAft>
           </a:pPr>
           <a:r>
-            <a:rPr lang="en-US" sz="1400" b="1" kern="1200" dirty="0" smtClean="0"/>
-            <a:t>Md Atik Ullah Bulbul</a:t>
+            <a:rPr lang="en-US" sz="2000" b="1" kern="1200" dirty="0" smtClean="0"/>
+            <a:t>Md. </a:t>
           </a:r>
+          <a:r>
+            <a:rPr lang="en-US" sz="2000" b="1" kern="1200" dirty="0" err="1" smtClean="0"/>
+            <a:t>Masudur</a:t>
+          </a:r>
+          <a:r>
+            <a:rPr lang="en-US" sz="2000" b="1" kern="1200" dirty="0" smtClean="0"/>
+            <a:t> Rahman</a:t>
+          </a:r>
+          <a:endParaRPr lang="en-US" sz="2000" b="1" kern="1200" dirty="0" smtClean="0"/>
         </a:p>
         <a:p>
-          <a:pPr lvl="0" algn="ctr" defTabSz="622300">
+          <a:pPr lvl="0" algn="ctr" defTabSz="889000">
             <a:lnSpc>
               <a:spcPct val="90000"/>
             </a:lnSpc>
@@ -5280,32 +5513,15 @@
             </a:spcAft>
           </a:pPr>
           <a:r>
-            <a:rPr lang="en-US" sz="1200" kern="1200" dirty="0" smtClean="0"/>
-            <a:t>Master’s  in Geophysics</a:t>
+            <a:rPr lang="en-US" sz="2000" b="1" kern="1200" dirty="0" smtClean="0"/>
+            <a:t>Roll No. – BSSE 0413</a:t>
           </a:r>
-        </a:p>
-        <a:p>
-          <a:pPr lvl="0" algn="ctr" defTabSz="622300">
-            <a:lnSpc>
-              <a:spcPct val="90000"/>
-            </a:lnSpc>
-            <a:spcBef>
-              <a:spcPct val="0"/>
-            </a:spcBef>
-            <a:spcAft>
-              <a:spcPct val="35000"/>
-            </a:spcAft>
-          </a:pPr>
-          <a:r>
-            <a:rPr lang="en-US" sz="1200" kern="1200" dirty="0" smtClean="0"/>
-            <a:t>Department of Geology</a:t>
-          </a:r>
-          <a:endParaRPr lang="en-US" sz="1200" kern="1200" dirty="0"/>
+          <a:endParaRPr lang="en-US" sz="2000" b="1" kern="1200" dirty="0"/>
         </a:p>
       </dsp:txBody>
       <dsp:txXfrm rot="10800000">
-        <a:off x="1439374" y="1199877"/>
-        <a:ext cx="3652336" cy="922651"/>
+        <a:off x="1332688" y="1076487"/>
+        <a:ext cx="3441597" cy="827433"/>
       </dsp:txXfrm>
     </dsp:sp>
     <dsp:sp modelId="{7CD80D09-A06A-4FDF-AD25-B26F72A344C9}">
@@ -5315,16 +5531,23 @@
       </dsp:nvSpPr>
       <dsp:spPr>
         <a:xfrm>
-          <a:off x="747385" y="1199877"/>
-          <a:ext cx="922651" cy="922651"/>
+          <a:off x="712113" y="1076487"/>
+          <a:ext cx="827433" cy="827433"/>
         </a:xfrm>
         <a:prstGeom prst="ellipse">
           <a:avLst/>
         </a:prstGeom>
-        <a:blipFill rotWithShape="0">
-          <a:blip xmlns:r="http://schemas.openxmlformats.org/officeDocument/2006/relationships" r:embed="rId2"/>
+        <a:blipFill>
+          <a:blip xmlns:r="http://schemas.openxmlformats.org/officeDocument/2006/relationships" r:embed="rId2" cstate="print">
+            <a:extLst>
+              <a:ext uri="{28A0092B-C50C-407E-A947-70E740481C1C}">
+                <a14:useLocalDpi xmlns:a14="http://schemas.microsoft.com/office/drawing/2010/main" val="0"/>
+              </a:ext>
+            </a:extLst>
+          </a:blip>
+          <a:srcRect/>
           <a:stretch>
-            <a:fillRect/>
+            <a:fillRect t="-15000" b="-15000"/>
           </a:stretch>
         </a:blipFill>
         <a:ln w="25400" cap="flat" cmpd="sng" algn="ctr">
@@ -5360,8 +5583,8 @@
       </dsp:nvSpPr>
       <dsp:spPr>
         <a:xfrm rot="10800000">
-          <a:off x="1208711" y="2397947"/>
-          <a:ext cx="3882999" cy="922651"/>
+          <a:off x="1125830" y="2150916"/>
+          <a:ext cx="3648455" cy="827433"/>
         </a:xfrm>
         <a:prstGeom prst="homePlate">
           <a:avLst/>
@@ -5402,7 +5625,7 @@
         </a:fontRef>
       </dsp:style>
       <dsp:txBody>
-        <a:bodyPr spcFirstLastPara="0" vert="horz" wrap="square" lIns="406864" tIns="53340" rIns="99568" bIns="53340" numCol="1" spcCol="1270" anchor="ctr" anchorCtr="0">
+        <a:bodyPr spcFirstLastPara="0" vert="horz" wrap="square" lIns="364875" tIns="53340" rIns="99568" bIns="53340" numCol="1" spcCol="1270" anchor="ctr" anchorCtr="0">
           <a:noAutofit/>
         </a:bodyPr>
         <a:lstStyle/>
@@ -5460,8 +5683,8 @@
         </a:p>
       </dsp:txBody>
       <dsp:txXfrm rot="10800000">
-        <a:off x="1439374" y="2397947"/>
-        <a:ext cx="3652336" cy="922651"/>
+        <a:off x="1332688" y="2150916"/>
+        <a:ext cx="3441597" cy="827433"/>
       </dsp:txXfrm>
     </dsp:sp>
     <dsp:sp modelId="{9F405659-AFEF-4CCA-A72E-285826BAEE02}">
@@ -5471,8 +5694,8 @@
       </dsp:nvSpPr>
       <dsp:spPr>
         <a:xfrm>
-          <a:off x="747385" y="2397947"/>
-          <a:ext cx="922651" cy="922651"/>
+          <a:off x="712113" y="2150916"/>
+          <a:ext cx="827433" cy="827433"/>
         </a:xfrm>
         <a:prstGeom prst="ellipse">
           <a:avLst/>
@@ -5516,8 +5739,8 @@
       </dsp:nvSpPr>
       <dsp:spPr>
         <a:xfrm rot="10800000">
-          <a:off x="1208711" y="3596017"/>
-          <a:ext cx="3882999" cy="922651"/>
+          <a:off x="1125830" y="3225345"/>
+          <a:ext cx="3648455" cy="827433"/>
         </a:xfrm>
         <a:prstGeom prst="homePlate">
           <a:avLst/>
@@ -5558,7 +5781,7 @@
         </a:fontRef>
       </dsp:style>
       <dsp:txBody>
-        <a:bodyPr spcFirstLastPara="0" vert="horz" wrap="square" lIns="406864" tIns="53340" rIns="99568" bIns="53340" numCol="1" spcCol="1270" anchor="ctr" anchorCtr="0">
+        <a:bodyPr spcFirstLastPara="0" vert="horz" wrap="square" lIns="364875" tIns="53340" rIns="99568" bIns="53340" numCol="1" spcCol="1270" anchor="ctr" anchorCtr="0">
           <a:noAutofit/>
         </a:bodyPr>
         <a:lstStyle/>
@@ -5629,8 +5852,8 @@
         </a:p>
       </dsp:txBody>
       <dsp:txXfrm rot="10800000">
-        <a:off x="1439374" y="3596017"/>
-        <a:ext cx="3652336" cy="922651"/>
+        <a:off x="1332688" y="3225345"/>
+        <a:ext cx="3441597" cy="827433"/>
       </dsp:txXfrm>
     </dsp:sp>
     <dsp:sp modelId="{ED0DB0D0-CECE-45D3-873F-49A44AEE0295}">
@@ -5640,8 +5863,8 @@
       </dsp:nvSpPr>
       <dsp:spPr>
         <a:xfrm>
-          <a:off x="747385" y="3596017"/>
-          <a:ext cx="922651" cy="922651"/>
+          <a:off x="712113" y="3225345"/>
+          <a:ext cx="827433" cy="827433"/>
         </a:xfrm>
         <a:prstGeom prst="ellipse">
           <a:avLst/>
@@ -14213,7 +14436,7 @@
           <a:p>
             <a:fld id="{572716AE-1C20-4AA2-9BCB-400E8812C45D}" type="datetimeFigureOut">
               <a:rPr lang="en-US" smtClean="0"/>
-              <a:t>12/2/2014</a:t>
+              <a:t>03-Dec-14</a:t>
             </a:fld>
             <a:endParaRPr lang="en-US"/>
           </a:p>
@@ -14383,7 +14606,7 @@
           <a:p>
             <a:fld id="{572716AE-1C20-4AA2-9BCB-400E8812C45D}" type="datetimeFigureOut">
               <a:rPr lang="en-US" smtClean="0"/>
-              <a:t>12/2/2014</a:t>
+              <a:t>03-Dec-14</a:t>
             </a:fld>
             <a:endParaRPr lang="en-US"/>
           </a:p>
@@ -14563,7 +14786,7 @@
           <a:p>
             <a:fld id="{572716AE-1C20-4AA2-9BCB-400E8812C45D}" type="datetimeFigureOut">
               <a:rPr lang="en-US" smtClean="0"/>
-              <a:t>12/2/2014</a:t>
+              <a:t>03-Dec-14</a:t>
             </a:fld>
             <a:endParaRPr lang="en-US"/>
           </a:p>
@@ -14733,7 +14956,7 @@
           <a:p>
             <a:fld id="{572716AE-1C20-4AA2-9BCB-400E8812C45D}" type="datetimeFigureOut">
               <a:rPr lang="en-US" smtClean="0"/>
-              <a:t>12/2/2014</a:t>
+              <a:t>03-Dec-14</a:t>
             </a:fld>
             <a:endParaRPr lang="en-US"/>
           </a:p>
@@ -14979,7 +15202,7 @@
           <a:p>
             <a:fld id="{572716AE-1C20-4AA2-9BCB-400E8812C45D}" type="datetimeFigureOut">
               <a:rPr lang="en-US" smtClean="0"/>
-              <a:t>12/2/2014</a:t>
+              <a:t>03-Dec-14</a:t>
             </a:fld>
             <a:endParaRPr lang="en-US"/>
           </a:p>
@@ -15267,7 +15490,7 @@
           <a:p>
             <a:fld id="{572716AE-1C20-4AA2-9BCB-400E8812C45D}" type="datetimeFigureOut">
               <a:rPr lang="en-US" smtClean="0"/>
-              <a:t>12/2/2014</a:t>
+              <a:t>03-Dec-14</a:t>
             </a:fld>
             <a:endParaRPr lang="en-US"/>
           </a:p>
@@ -15689,7 +15912,7 @@
           <a:p>
             <a:fld id="{572716AE-1C20-4AA2-9BCB-400E8812C45D}" type="datetimeFigureOut">
               <a:rPr lang="en-US" smtClean="0"/>
-              <a:t>12/2/2014</a:t>
+              <a:t>03-Dec-14</a:t>
             </a:fld>
             <a:endParaRPr lang="en-US"/>
           </a:p>
@@ -15807,7 +16030,7 @@
           <a:p>
             <a:fld id="{572716AE-1C20-4AA2-9BCB-400E8812C45D}" type="datetimeFigureOut">
               <a:rPr lang="en-US" smtClean="0"/>
-              <a:t>12/2/2014</a:t>
+              <a:t>03-Dec-14</a:t>
             </a:fld>
             <a:endParaRPr lang="en-US"/>
           </a:p>
@@ -15902,7 +16125,7 @@
           <a:p>
             <a:fld id="{572716AE-1C20-4AA2-9BCB-400E8812C45D}" type="datetimeFigureOut">
               <a:rPr lang="en-US" smtClean="0"/>
-              <a:t>12/2/2014</a:t>
+              <a:t>03-Dec-14</a:t>
             </a:fld>
             <a:endParaRPr lang="en-US"/>
           </a:p>
@@ -16179,7 +16402,7 @@
           <a:p>
             <a:fld id="{572716AE-1C20-4AA2-9BCB-400E8812C45D}" type="datetimeFigureOut">
               <a:rPr lang="en-US" smtClean="0"/>
-              <a:t>12/2/2014</a:t>
+              <a:t>03-Dec-14</a:t>
             </a:fld>
             <a:endParaRPr lang="en-US"/>
           </a:p>
@@ -16432,7 +16655,7 @@
           <a:p>
             <a:fld id="{572716AE-1C20-4AA2-9BCB-400E8812C45D}" type="datetimeFigureOut">
               <a:rPr lang="en-US" smtClean="0"/>
-              <a:t>12/2/2014</a:t>
+              <a:t>03-Dec-14</a:t>
             </a:fld>
             <a:endParaRPr lang="en-US"/>
           </a:p>
@@ -16645,7 +16868,7 @@
           <a:p>
             <a:fld id="{572716AE-1C20-4AA2-9BCB-400E8812C45D}" type="datetimeFigureOut">
               <a:rPr lang="en-US" smtClean="0"/>
-              <a:t>12/2/2014</a:t>
+              <a:t>03-Dec-14</a:t>
             </a:fld>
             <a:endParaRPr lang="en-US"/>
           </a:p>
@@ -17095,6 +17318,929 @@
 </p:sld>
 </file>
 
+<file path=ppt/slides/slide10.xml><?xml version="1.0" encoding="utf-8"?>
+<p:sld xmlns:a="http://schemas.openxmlformats.org/drawingml/2006/main" xmlns:r="http://schemas.openxmlformats.org/officeDocument/2006/relationships" xmlns:p="http://schemas.openxmlformats.org/presentationml/2006/main">
+  <p:cSld>
+    <p:spTree>
+      <p:nvGrpSpPr>
+        <p:cNvPr id="1" name=""/>
+        <p:cNvGrpSpPr/>
+        <p:nvPr/>
+      </p:nvGrpSpPr>
+      <p:grpSpPr>
+        <a:xfrm>
+          <a:off x="0" y="0"/>
+          <a:ext cx="0" cy="0"/>
+          <a:chOff x="0" y="0"/>
+          <a:chExt cx="0" cy="0"/>
+        </a:xfrm>
+      </p:grpSpPr>
+      <p:sp>
+        <p:nvSpPr>
+          <p:cNvPr id="2" name="Title 1"/>
+          <p:cNvSpPr>
+            <a:spLocks noGrp="1"/>
+          </p:cNvSpPr>
+          <p:nvPr>
+            <p:ph type="title"/>
+          </p:nvPr>
+        </p:nvSpPr>
+        <p:spPr/>
+        <p:txBody>
+          <a:bodyPr/>
+          <a:lstStyle/>
+          <a:p>
+            <a:r>
+              <a:rPr lang="en-US" dirty="0"/>
+              <a:t>Information System Resources</a:t>
+            </a:r>
+          </a:p>
+        </p:txBody>
+      </p:sp>
+      <p:sp>
+        <p:nvSpPr>
+          <p:cNvPr id="3" name="Content Placeholder 2"/>
+          <p:cNvSpPr>
+            <a:spLocks noGrp="1"/>
+          </p:cNvSpPr>
+          <p:nvPr>
+            <p:ph idx="1"/>
+          </p:nvPr>
+        </p:nvSpPr>
+        <p:spPr>
+          <a:xfrm>
+            <a:off x="457200" y="1600200"/>
+            <a:ext cx="8229600" cy="4876800"/>
+          </a:xfrm>
+        </p:spPr>
+        <p:txBody>
+          <a:bodyPr>
+            <a:normAutofit/>
+          </a:bodyPr>
+          <a:lstStyle/>
+          <a:p>
+            <a:pPr>
+              <a:lnSpc>
+                <a:spcPct val="90000"/>
+              </a:lnSpc>
+              <a:spcBef>
+                <a:spcPct val="0"/>
+              </a:spcBef>
+            </a:pPr>
+            <a:r>
+              <a:rPr lang="en-US" sz="2000" dirty="0">
+                <a:latin typeface="Times New Roman" panose="02020603050405020304" pitchFamily="18" charset="0"/>
+                <a:cs typeface="Times New Roman" panose="02020603050405020304" pitchFamily="18" charset="0"/>
+              </a:rPr>
+              <a:t>People Resources</a:t>
+            </a:r>
+          </a:p>
+          <a:p>
+            <a:pPr lvl="1">
+              <a:lnSpc>
+                <a:spcPct val="90000"/>
+              </a:lnSpc>
+              <a:spcBef>
+                <a:spcPct val="0"/>
+              </a:spcBef>
+            </a:pPr>
+            <a:r>
+              <a:rPr lang="en-US" sz="2000" dirty="0" smtClean="0">
+                <a:latin typeface="Times New Roman" panose="02020603050405020304" pitchFamily="18" charset="0"/>
+                <a:cs typeface="Times New Roman" panose="02020603050405020304" pitchFamily="18" charset="0"/>
+              </a:rPr>
+              <a:t>CEO (Admin)</a:t>
+            </a:r>
+            <a:endParaRPr lang="en-US" sz="2000" dirty="0">
+              <a:latin typeface="Times New Roman" panose="02020603050405020304" pitchFamily="18" charset="0"/>
+              <a:cs typeface="Times New Roman" panose="02020603050405020304" pitchFamily="18" charset="0"/>
+            </a:endParaRPr>
+          </a:p>
+          <a:p>
+            <a:pPr lvl="1">
+              <a:lnSpc>
+                <a:spcPct val="90000"/>
+              </a:lnSpc>
+              <a:spcBef>
+                <a:spcPct val="0"/>
+              </a:spcBef>
+            </a:pPr>
+            <a:r>
+              <a:rPr lang="en-US" sz="2000" dirty="0" smtClean="0">
+                <a:latin typeface="Times New Roman" panose="02020603050405020304" pitchFamily="18" charset="0"/>
+                <a:cs typeface="Times New Roman" panose="02020603050405020304" pitchFamily="18" charset="0"/>
+              </a:rPr>
+              <a:t>Employees</a:t>
+            </a:r>
+            <a:endParaRPr lang="en-US" sz="2000" dirty="0">
+              <a:latin typeface="Times New Roman" panose="02020603050405020304" pitchFamily="18" charset="0"/>
+              <a:cs typeface="Times New Roman" panose="02020603050405020304" pitchFamily="18" charset="0"/>
+            </a:endParaRPr>
+          </a:p>
+          <a:p>
+            <a:pPr>
+              <a:lnSpc>
+                <a:spcPct val="90000"/>
+              </a:lnSpc>
+              <a:spcBef>
+                <a:spcPct val="0"/>
+              </a:spcBef>
+            </a:pPr>
+            <a:r>
+              <a:rPr lang="en-US" sz="2000" dirty="0">
+                <a:latin typeface="Times New Roman" panose="02020603050405020304" pitchFamily="18" charset="0"/>
+                <a:cs typeface="Times New Roman" panose="02020603050405020304" pitchFamily="18" charset="0"/>
+              </a:rPr>
+              <a:t>Hardware Resources</a:t>
+            </a:r>
+          </a:p>
+          <a:p>
+            <a:pPr lvl="1">
+              <a:lnSpc>
+                <a:spcPct val="90000"/>
+              </a:lnSpc>
+              <a:spcBef>
+                <a:spcPct val="0"/>
+              </a:spcBef>
+            </a:pPr>
+            <a:r>
+              <a:rPr lang="en-US" sz="2000" dirty="0" smtClean="0">
+                <a:latin typeface="Times New Roman" panose="02020603050405020304" pitchFamily="18" charset="0"/>
+                <a:cs typeface="Times New Roman" panose="02020603050405020304" pitchFamily="18" charset="0"/>
+              </a:rPr>
+              <a:t>Machines</a:t>
+            </a:r>
+            <a:endParaRPr lang="en-US" sz="2000" dirty="0">
+              <a:latin typeface="Times New Roman" panose="02020603050405020304" pitchFamily="18" charset="0"/>
+              <a:cs typeface="Times New Roman" panose="02020603050405020304" pitchFamily="18" charset="0"/>
+            </a:endParaRPr>
+          </a:p>
+          <a:p>
+            <a:pPr lvl="1">
+              <a:lnSpc>
+                <a:spcPct val="90000"/>
+              </a:lnSpc>
+              <a:spcBef>
+                <a:spcPct val="0"/>
+              </a:spcBef>
+            </a:pPr>
+            <a:r>
+              <a:rPr lang="en-US" sz="2000" dirty="0">
+                <a:latin typeface="Times New Roman" panose="02020603050405020304" pitchFamily="18" charset="0"/>
+                <a:cs typeface="Times New Roman" panose="02020603050405020304" pitchFamily="18" charset="0"/>
+              </a:rPr>
+              <a:t>Media</a:t>
+            </a:r>
+          </a:p>
+          <a:p>
+            <a:pPr>
+              <a:lnSpc>
+                <a:spcPct val="90000"/>
+              </a:lnSpc>
+              <a:spcBef>
+                <a:spcPct val="0"/>
+              </a:spcBef>
+            </a:pPr>
+            <a:r>
+              <a:rPr lang="en-US" sz="2000" dirty="0">
+                <a:latin typeface="Times New Roman" panose="02020603050405020304" pitchFamily="18" charset="0"/>
+                <a:cs typeface="Times New Roman" panose="02020603050405020304" pitchFamily="18" charset="0"/>
+              </a:rPr>
+              <a:t>Software Resources</a:t>
+            </a:r>
+          </a:p>
+          <a:p>
+            <a:pPr lvl="1">
+              <a:lnSpc>
+                <a:spcPct val="90000"/>
+              </a:lnSpc>
+              <a:spcBef>
+                <a:spcPct val="0"/>
+              </a:spcBef>
+            </a:pPr>
+            <a:r>
+              <a:rPr lang="en-US" sz="2000" dirty="0">
+                <a:latin typeface="Times New Roman" panose="02020603050405020304" pitchFamily="18" charset="0"/>
+                <a:cs typeface="Times New Roman" panose="02020603050405020304" pitchFamily="18" charset="0"/>
+              </a:rPr>
+              <a:t>Programs</a:t>
+            </a:r>
+          </a:p>
+          <a:p>
+            <a:pPr lvl="1">
+              <a:lnSpc>
+                <a:spcPct val="90000"/>
+              </a:lnSpc>
+              <a:spcBef>
+                <a:spcPct val="0"/>
+              </a:spcBef>
+            </a:pPr>
+            <a:r>
+              <a:rPr lang="en-US" sz="2000" dirty="0">
+                <a:latin typeface="Times New Roman" panose="02020603050405020304" pitchFamily="18" charset="0"/>
+                <a:cs typeface="Times New Roman" panose="02020603050405020304" pitchFamily="18" charset="0"/>
+              </a:rPr>
+              <a:t>Procedures</a:t>
+            </a:r>
+          </a:p>
+          <a:p>
+            <a:pPr>
+              <a:lnSpc>
+                <a:spcPct val="90000"/>
+              </a:lnSpc>
+              <a:spcBef>
+                <a:spcPct val="0"/>
+              </a:spcBef>
+            </a:pPr>
+            <a:r>
+              <a:rPr lang="en-US" sz="2000" dirty="0">
+                <a:latin typeface="Times New Roman" panose="02020603050405020304" pitchFamily="18" charset="0"/>
+                <a:cs typeface="Times New Roman" panose="02020603050405020304" pitchFamily="18" charset="0"/>
+              </a:rPr>
+              <a:t>Data Resources</a:t>
+            </a:r>
+          </a:p>
+          <a:p>
+            <a:pPr lvl="1">
+              <a:lnSpc>
+                <a:spcPct val="90000"/>
+              </a:lnSpc>
+              <a:spcBef>
+                <a:spcPct val="0"/>
+              </a:spcBef>
+            </a:pPr>
+            <a:r>
+              <a:rPr lang="en-US" sz="2000" dirty="0">
+                <a:latin typeface="Times New Roman" panose="02020603050405020304" pitchFamily="18" charset="0"/>
+                <a:cs typeface="Times New Roman" panose="02020603050405020304" pitchFamily="18" charset="0"/>
+              </a:rPr>
+              <a:t>E</a:t>
+            </a:r>
+            <a:r>
+              <a:rPr lang="en-US" sz="2000" dirty="0" smtClean="0">
+                <a:latin typeface="Times New Roman" panose="02020603050405020304" pitchFamily="18" charset="0"/>
+                <a:cs typeface="Times New Roman" panose="02020603050405020304" pitchFamily="18" charset="0"/>
+              </a:rPr>
+              <a:t>mployee </a:t>
+            </a:r>
+            <a:r>
+              <a:rPr lang="en-US" sz="2000" dirty="0">
+                <a:latin typeface="Times New Roman" panose="02020603050405020304" pitchFamily="18" charset="0"/>
+                <a:cs typeface="Times New Roman" panose="02020603050405020304" pitchFamily="18" charset="0"/>
+              </a:rPr>
+              <a:t>files</a:t>
+            </a:r>
+            <a:r>
+              <a:rPr lang="en-US" sz="2000" dirty="0" smtClean="0">
+                <a:latin typeface="Times New Roman" panose="02020603050405020304" pitchFamily="18" charset="0"/>
+                <a:cs typeface="Times New Roman" panose="02020603050405020304" pitchFamily="18" charset="0"/>
+              </a:rPr>
+              <a:t>, Database</a:t>
+            </a:r>
+            <a:endParaRPr lang="en-US" sz="2000" dirty="0">
+              <a:latin typeface="Times New Roman" panose="02020603050405020304" pitchFamily="18" charset="0"/>
+              <a:cs typeface="Times New Roman" panose="02020603050405020304" pitchFamily="18" charset="0"/>
+            </a:endParaRPr>
+          </a:p>
+          <a:p>
+            <a:pPr>
+              <a:lnSpc>
+                <a:spcPct val="90000"/>
+              </a:lnSpc>
+              <a:spcBef>
+                <a:spcPct val="0"/>
+              </a:spcBef>
+            </a:pPr>
+            <a:r>
+              <a:rPr lang="en-US" sz="2000" dirty="0">
+                <a:latin typeface="Times New Roman" panose="02020603050405020304" pitchFamily="18" charset="0"/>
+                <a:cs typeface="Times New Roman" panose="02020603050405020304" pitchFamily="18" charset="0"/>
+              </a:rPr>
+              <a:t>Network Resources</a:t>
+            </a:r>
+          </a:p>
+          <a:p>
+            <a:pPr lvl="1">
+              <a:lnSpc>
+                <a:spcPct val="90000"/>
+              </a:lnSpc>
+              <a:spcBef>
+                <a:spcPct val="0"/>
+              </a:spcBef>
+            </a:pPr>
+            <a:r>
+              <a:rPr lang="en-US" sz="2000" dirty="0">
+                <a:latin typeface="Times New Roman" panose="02020603050405020304" pitchFamily="18" charset="0"/>
+                <a:cs typeface="Times New Roman" panose="02020603050405020304" pitchFamily="18" charset="0"/>
+              </a:rPr>
+              <a:t>Communications media, communications processors, network access and control software</a:t>
+            </a:r>
+          </a:p>
+          <a:p>
+            <a:pPr>
+              <a:lnSpc>
+                <a:spcPct val="90000"/>
+              </a:lnSpc>
+              <a:spcBef>
+                <a:spcPct val="0"/>
+              </a:spcBef>
+            </a:pPr>
+            <a:r>
+              <a:rPr lang="en-US" sz="2000" dirty="0">
+                <a:latin typeface="Times New Roman" panose="02020603050405020304" pitchFamily="18" charset="0"/>
+                <a:cs typeface="Times New Roman" panose="02020603050405020304" pitchFamily="18" charset="0"/>
+              </a:rPr>
+              <a:t>Information Resources</a:t>
+            </a:r>
+          </a:p>
+          <a:p>
+            <a:pPr lvl="1">
+              <a:lnSpc>
+                <a:spcPct val="90000"/>
+              </a:lnSpc>
+              <a:spcBef>
+                <a:spcPct val="0"/>
+              </a:spcBef>
+            </a:pPr>
+            <a:r>
+              <a:rPr lang="en-US" sz="2000" dirty="0">
+                <a:latin typeface="Times New Roman" panose="02020603050405020304" pitchFamily="18" charset="0"/>
+                <a:cs typeface="Times New Roman" panose="02020603050405020304" pitchFamily="18" charset="0"/>
+              </a:rPr>
+              <a:t>Management reports and business documents using text and graphics </a:t>
+            </a:r>
+            <a:r>
+              <a:rPr lang="en-US" sz="2000" dirty="0" smtClean="0">
+                <a:latin typeface="Times New Roman" panose="02020603050405020304" pitchFamily="18" charset="0"/>
+                <a:cs typeface="Times New Roman" panose="02020603050405020304" pitchFamily="18" charset="0"/>
+              </a:rPr>
+              <a:t>displays</a:t>
+            </a:r>
+            <a:endParaRPr lang="en-US" dirty="0">
+              <a:latin typeface="Times New Roman" panose="02020603050405020304" pitchFamily="18" charset="0"/>
+              <a:cs typeface="Times New Roman" panose="02020603050405020304" pitchFamily="18" charset="0"/>
+            </a:endParaRPr>
+          </a:p>
+        </p:txBody>
+      </p:sp>
+    </p:spTree>
+    <p:extLst>
+      <p:ext uri="{BB962C8B-B14F-4D97-AF65-F5344CB8AC3E}">
+        <p14:creationId xmlns:p14="http://schemas.microsoft.com/office/powerpoint/2010/main" val="664820434"/>
+      </p:ext>
+    </p:extLst>
+  </p:cSld>
+  <p:clrMapOvr>
+    <a:masterClrMapping/>
+  </p:clrMapOvr>
+</p:sld>
+</file>
+
+<file path=ppt/slides/slide11.xml><?xml version="1.0" encoding="utf-8"?>
+<p:sld xmlns:a="http://schemas.openxmlformats.org/drawingml/2006/main" xmlns:r="http://schemas.openxmlformats.org/officeDocument/2006/relationships" xmlns:p="http://schemas.openxmlformats.org/presentationml/2006/main">
+  <p:cSld>
+    <p:spTree>
+      <p:nvGrpSpPr>
+        <p:cNvPr id="1" name=""/>
+        <p:cNvGrpSpPr/>
+        <p:nvPr/>
+      </p:nvGrpSpPr>
+      <p:grpSpPr>
+        <a:xfrm>
+          <a:off x="0" y="0"/>
+          <a:ext cx="0" cy="0"/>
+          <a:chOff x="0" y="0"/>
+          <a:chExt cx="0" cy="0"/>
+        </a:xfrm>
+      </p:grpSpPr>
+      <p:sp>
+        <p:nvSpPr>
+          <p:cNvPr id="2" name="Title 1"/>
+          <p:cNvSpPr>
+            <a:spLocks noGrp="1"/>
+          </p:cNvSpPr>
+          <p:nvPr>
+            <p:ph type="title"/>
+          </p:nvPr>
+        </p:nvSpPr>
+        <p:spPr/>
+        <p:txBody>
+          <a:bodyPr/>
+          <a:lstStyle/>
+          <a:p>
+            <a:r>
+              <a:rPr lang="en-US" dirty="0"/>
+              <a:t>Measuring IT Success</a:t>
+            </a:r>
+          </a:p>
+        </p:txBody>
+      </p:sp>
+      <p:sp>
+        <p:nvSpPr>
+          <p:cNvPr id="3" name="Content Placeholder 2"/>
+          <p:cNvSpPr>
+            <a:spLocks noGrp="1"/>
+          </p:cNvSpPr>
+          <p:nvPr>
+            <p:ph idx="1"/>
+          </p:nvPr>
+        </p:nvSpPr>
+        <p:spPr/>
+        <p:txBody>
+          <a:bodyPr>
+            <a:normAutofit/>
+          </a:bodyPr>
+          <a:lstStyle/>
+          <a:p>
+            <a:r>
+              <a:rPr lang="en-US" sz="2400" b="1" dirty="0">
+                <a:latin typeface="Times New Roman" panose="02020603050405020304" pitchFamily="18" charset="0"/>
+                <a:cs typeface="Times New Roman" panose="02020603050405020304" pitchFamily="18" charset="0"/>
+              </a:rPr>
+              <a:t>Efficiency</a:t>
+            </a:r>
+          </a:p>
+          <a:p>
+            <a:pPr lvl="1"/>
+            <a:r>
+              <a:rPr lang="en-US" sz="2400" dirty="0">
+                <a:latin typeface="Times New Roman" panose="02020603050405020304" pitchFamily="18" charset="0"/>
+                <a:cs typeface="Times New Roman" panose="02020603050405020304" pitchFamily="18" charset="0"/>
+              </a:rPr>
+              <a:t>Minimize cost, time, and use of information resources</a:t>
+            </a:r>
+          </a:p>
+          <a:p>
+            <a:pPr>
+              <a:spcBef>
+                <a:spcPct val="40000"/>
+              </a:spcBef>
+            </a:pPr>
+            <a:r>
+              <a:rPr lang="en-US" sz="2400" b="1" dirty="0">
+                <a:latin typeface="Times New Roman" panose="02020603050405020304" pitchFamily="18" charset="0"/>
+                <a:cs typeface="Times New Roman" panose="02020603050405020304" pitchFamily="18" charset="0"/>
+              </a:rPr>
+              <a:t>Effectiveness</a:t>
+            </a:r>
+          </a:p>
+          <a:p>
+            <a:pPr lvl="1"/>
+            <a:r>
+              <a:rPr lang="en-US" sz="2400" dirty="0">
+                <a:latin typeface="Times New Roman" panose="02020603050405020304" pitchFamily="18" charset="0"/>
+                <a:cs typeface="Times New Roman" panose="02020603050405020304" pitchFamily="18" charset="0"/>
+              </a:rPr>
+              <a:t>Support business strategies</a:t>
+            </a:r>
+          </a:p>
+          <a:p>
+            <a:pPr lvl="1"/>
+            <a:r>
+              <a:rPr lang="en-US" sz="2400" dirty="0">
+                <a:latin typeface="Times New Roman" panose="02020603050405020304" pitchFamily="18" charset="0"/>
+                <a:cs typeface="Times New Roman" panose="02020603050405020304" pitchFamily="18" charset="0"/>
+              </a:rPr>
+              <a:t>Enable business processes</a:t>
+            </a:r>
+          </a:p>
+          <a:p>
+            <a:pPr lvl="1"/>
+            <a:r>
+              <a:rPr lang="en-US" sz="2400" dirty="0">
+                <a:latin typeface="Times New Roman" panose="02020603050405020304" pitchFamily="18" charset="0"/>
+                <a:cs typeface="Times New Roman" panose="02020603050405020304" pitchFamily="18" charset="0"/>
+              </a:rPr>
+              <a:t>Enhance organizational structure and culture</a:t>
+            </a:r>
+          </a:p>
+          <a:p>
+            <a:pPr lvl="1"/>
+            <a:r>
+              <a:rPr lang="en-US" sz="2400" dirty="0">
+                <a:latin typeface="Times New Roman" panose="02020603050405020304" pitchFamily="18" charset="0"/>
+                <a:cs typeface="Times New Roman" panose="02020603050405020304" pitchFamily="18" charset="0"/>
+              </a:rPr>
+              <a:t>Increase customer and business value</a:t>
+            </a:r>
+          </a:p>
+          <a:p>
+            <a:pPr marL="0" indent="0">
+              <a:buNone/>
+            </a:pPr>
+            <a:endParaRPr lang="en-US" sz="2400" dirty="0">
+              <a:latin typeface="Times New Roman" panose="02020603050405020304" pitchFamily="18" charset="0"/>
+              <a:cs typeface="Times New Roman" panose="02020603050405020304" pitchFamily="18" charset="0"/>
+            </a:endParaRPr>
+          </a:p>
+        </p:txBody>
+      </p:sp>
+    </p:spTree>
+    <p:extLst>
+      <p:ext uri="{BB962C8B-B14F-4D97-AF65-F5344CB8AC3E}">
+        <p14:creationId xmlns:p14="http://schemas.microsoft.com/office/powerpoint/2010/main" val="2672496465"/>
+      </p:ext>
+    </p:extLst>
+  </p:cSld>
+  <p:clrMapOvr>
+    <a:masterClrMapping/>
+  </p:clrMapOvr>
+</p:sld>
+</file>
+
+<file path=ppt/slides/slide12.xml><?xml version="1.0" encoding="utf-8"?>
+<p:sld xmlns:a="http://schemas.openxmlformats.org/drawingml/2006/main" xmlns:r="http://schemas.openxmlformats.org/officeDocument/2006/relationships" xmlns:p="http://schemas.openxmlformats.org/presentationml/2006/main">
+  <p:cSld>
+    <p:spTree>
+      <p:nvGrpSpPr>
+        <p:cNvPr id="1" name=""/>
+        <p:cNvGrpSpPr/>
+        <p:nvPr/>
+      </p:nvGrpSpPr>
+      <p:grpSpPr>
+        <a:xfrm>
+          <a:off x="0" y="0"/>
+          <a:ext cx="0" cy="0"/>
+          <a:chOff x="0" y="0"/>
+          <a:chExt cx="0" cy="0"/>
+        </a:xfrm>
+      </p:grpSpPr>
+      <p:sp>
+        <p:nvSpPr>
+          <p:cNvPr id="2" name="Title 1"/>
+          <p:cNvSpPr>
+            <a:spLocks noGrp="1"/>
+          </p:cNvSpPr>
+          <p:nvPr>
+            <p:ph type="title"/>
+          </p:nvPr>
+        </p:nvSpPr>
+        <p:spPr/>
+        <p:txBody>
+          <a:bodyPr/>
+          <a:lstStyle/>
+          <a:p>
+            <a:r>
+              <a:rPr lang="en-US" dirty="0" smtClean="0"/>
+              <a:t>ER Diagram of EIMS</a:t>
+            </a:r>
+            <a:endParaRPr lang="en-US" dirty="0"/>
+          </a:p>
+        </p:txBody>
+      </p:sp>
+      <p:pic>
+        <p:nvPicPr>
+          <p:cNvPr id="4" name="Content Placeholder 3"/>
+          <p:cNvPicPr>
+            <a:picLocks noGrp="1" noChangeAspect="1"/>
+          </p:cNvPicPr>
+          <p:nvPr>
+            <p:ph idx="1"/>
+          </p:nvPr>
+        </p:nvPicPr>
+        <p:blipFill>
+          <a:blip r:embed="rId2"/>
+          <a:stretch>
+            <a:fillRect/>
+          </a:stretch>
+        </p:blipFill>
+        <p:spPr>
+          <a:xfrm>
+            <a:off x="533400" y="1417638"/>
+            <a:ext cx="8001000" cy="4708525"/>
+          </a:xfrm>
+          <a:prstGeom prst="rect">
+            <a:avLst/>
+          </a:prstGeom>
+        </p:spPr>
+      </p:pic>
+    </p:spTree>
+    <p:extLst>
+      <p:ext uri="{BB962C8B-B14F-4D97-AF65-F5344CB8AC3E}">
+        <p14:creationId xmlns:p14="http://schemas.microsoft.com/office/powerpoint/2010/main" val="2103599849"/>
+      </p:ext>
+    </p:extLst>
+  </p:cSld>
+  <p:clrMapOvr>
+    <a:masterClrMapping/>
+  </p:clrMapOvr>
+</p:sld>
+</file>
+
+<file path=ppt/slides/slide13.xml><?xml version="1.0" encoding="utf-8"?>
+<p:sld xmlns:a="http://schemas.openxmlformats.org/drawingml/2006/main" xmlns:r="http://schemas.openxmlformats.org/officeDocument/2006/relationships" xmlns:p="http://schemas.openxmlformats.org/presentationml/2006/main">
+  <p:cSld>
+    <p:spTree>
+      <p:nvGrpSpPr>
+        <p:cNvPr id="1" name=""/>
+        <p:cNvGrpSpPr/>
+        <p:nvPr/>
+      </p:nvGrpSpPr>
+      <p:grpSpPr>
+        <a:xfrm>
+          <a:off x="0" y="0"/>
+          <a:ext cx="0" cy="0"/>
+          <a:chOff x="0" y="0"/>
+          <a:chExt cx="0" cy="0"/>
+        </a:xfrm>
+      </p:grpSpPr>
+      <p:sp>
+        <p:nvSpPr>
+          <p:cNvPr id="2" name="Title 1"/>
+          <p:cNvSpPr>
+            <a:spLocks noGrp="1"/>
+          </p:cNvSpPr>
+          <p:nvPr>
+            <p:ph type="title"/>
+          </p:nvPr>
+        </p:nvSpPr>
+        <p:spPr/>
+        <p:txBody>
+          <a:bodyPr/>
+          <a:lstStyle/>
+          <a:p>
+            <a:r>
+              <a:rPr lang="en-US" dirty="0" smtClean="0"/>
+              <a:t>User Interaction </a:t>
+            </a:r>
+            <a:r>
+              <a:rPr lang="en-US" dirty="0" smtClean="0"/>
+              <a:t>Within </a:t>
+            </a:r>
+            <a:r>
+              <a:rPr lang="en-US" dirty="0" smtClean="0"/>
+              <a:t>the System</a:t>
+            </a:r>
+            <a:endParaRPr lang="en-US" dirty="0"/>
+          </a:p>
+        </p:txBody>
+      </p:sp>
+      <p:pic>
+        <p:nvPicPr>
+          <p:cNvPr id="4" name="Content Placeholder 3" descr="C:\Users\my\Desktop\PIC\level-1.jpg"/>
+          <p:cNvPicPr>
+            <a:picLocks noGrp="1"/>
+          </p:cNvPicPr>
+          <p:nvPr>
+            <p:ph idx="1"/>
+          </p:nvPr>
+        </p:nvPicPr>
+        <p:blipFill>
+          <a:blip r:embed="rId2">
+            <a:extLst>
+              <a:ext uri="{28A0092B-C50C-407E-A947-70E740481C1C}">
+                <a14:useLocalDpi xmlns:a14="http://schemas.microsoft.com/office/drawing/2010/main" val="0"/>
+              </a:ext>
+            </a:extLst>
+          </a:blip>
+          <a:srcRect/>
+          <a:stretch>
+            <a:fillRect/>
+          </a:stretch>
+        </p:blipFill>
+        <p:spPr bwMode="auto">
+          <a:xfrm>
+            <a:off x="609600" y="1667669"/>
+            <a:ext cx="8077200" cy="4391025"/>
+          </a:xfrm>
+          <a:prstGeom prst="rect">
+            <a:avLst/>
+          </a:prstGeom>
+          <a:noFill/>
+          <a:ln>
+            <a:noFill/>
+          </a:ln>
+        </p:spPr>
+      </p:pic>
+    </p:spTree>
+    <p:extLst>
+      <p:ext uri="{BB962C8B-B14F-4D97-AF65-F5344CB8AC3E}">
+        <p14:creationId xmlns:p14="http://schemas.microsoft.com/office/powerpoint/2010/main" val="3894887749"/>
+      </p:ext>
+    </p:extLst>
+  </p:cSld>
+  <p:clrMapOvr>
+    <a:masterClrMapping/>
+  </p:clrMapOvr>
+</p:sld>
+</file>
+
+<file path=ppt/slides/slide14.xml><?xml version="1.0" encoding="utf-8"?>
+<p:sld xmlns:a="http://schemas.openxmlformats.org/drawingml/2006/main" xmlns:r="http://schemas.openxmlformats.org/officeDocument/2006/relationships" xmlns:p="http://schemas.openxmlformats.org/presentationml/2006/main">
+  <p:cSld>
+    <p:spTree>
+      <p:nvGrpSpPr>
+        <p:cNvPr id="1" name=""/>
+        <p:cNvGrpSpPr/>
+        <p:nvPr/>
+      </p:nvGrpSpPr>
+      <p:grpSpPr>
+        <a:xfrm>
+          <a:off x="0" y="0"/>
+          <a:ext cx="0" cy="0"/>
+          <a:chOff x="0" y="0"/>
+          <a:chExt cx="0" cy="0"/>
+        </a:xfrm>
+      </p:grpSpPr>
+      <p:sp>
+        <p:nvSpPr>
+          <p:cNvPr id="2" name="Title 1"/>
+          <p:cNvSpPr>
+            <a:spLocks noGrp="1"/>
+          </p:cNvSpPr>
+          <p:nvPr>
+            <p:ph type="title"/>
+          </p:nvPr>
+        </p:nvSpPr>
+        <p:spPr/>
+        <p:txBody>
+          <a:bodyPr/>
+          <a:lstStyle/>
+          <a:p>
+            <a:r>
+              <a:rPr lang="en-US" dirty="0" smtClean="0"/>
+              <a:t>Benefits</a:t>
+            </a:r>
+            <a:endParaRPr lang="en-US" dirty="0"/>
+          </a:p>
+        </p:txBody>
+      </p:sp>
+      <p:sp>
+        <p:nvSpPr>
+          <p:cNvPr id="3" name="Content Placeholder 2"/>
+          <p:cNvSpPr>
+            <a:spLocks noGrp="1"/>
+          </p:cNvSpPr>
+          <p:nvPr>
+            <p:ph idx="1"/>
+          </p:nvPr>
+        </p:nvSpPr>
+        <p:spPr/>
+        <p:txBody>
+          <a:bodyPr/>
+          <a:lstStyle/>
+          <a:p>
+            <a:endParaRPr lang="en-US"/>
+          </a:p>
+        </p:txBody>
+      </p:sp>
+    </p:spTree>
+    <p:extLst>
+      <p:ext uri="{BB962C8B-B14F-4D97-AF65-F5344CB8AC3E}">
+        <p14:creationId xmlns:p14="http://schemas.microsoft.com/office/powerpoint/2010/main" val="118301872"/>
+      </p:ext>
+    </p:extLst>
+  </p:cSld>
+  <p:clrMapOvr>
+    <a:masterClrMapping/>
+  </p:clrMapOvr>
+</p:sld>
+</file>
+
+<file path=ppt/slides/slide15.xml><?xml version="1.0" encoding="utf-8"?>
+<p:sld xmlns:a="http://schemas.openxmlformats.org/drawingml/2006/main" xmlns:r="http://schemas.openxmlformats.org/officeDocument/2006/relationships" xmlns:p="http://schemas.openxmlformats.org/presentationml/2006/main">
+  <p:cSld>
+    <p:spTree>
+      <p:nvGrpSpPr>
+        <p:cNvPr id="1" name=""/>
+        <p:cNvGrpSpPr/>
+        <p:nvPr/>
+      </p:nvGrpSpPr>
+      <p:grpSpPr>
+        <a:xfrm>
+          <a:off x="0" y="0"/>
+          <a:ext cx="0" cy="0"/>
+          <a:chOff x="0" y="0"/>
+          <a:chExt cx="0" cy="0"/>
+        </a:xfrm>
+      </p:grpSpPr>
+      <p:sp>
+        <p:nvSpPr>
+          <p:cNvPr id="2" name="Title 1"/>
+          <p:cNvSpPr>
+            <a:spLocks noGrp="1"/>
+          </p:cNvSpPr>
+          <p:nvPr>
+            <p:ph type="title"/>
+          </p:nvPr>
+        </p:nvSpPr>
+        <p:spPr/>
+        <p:txBody>
+          <a:bodyPr/>
+          <a:lstStyle/>
+          <a:p>
+            <a:r>
+              <a:rPr lang="en-US" dirty="0" smtClean="0"/>
+              <a:t>SWOT Analysis</a:t>
+            </a:r>
+            <a:endParaRPr lang="en-US" dirty="0"/>
+          </a:p>
+        </p:txBody>
+      </p:sp>
+      <p:sp>
+        <p:nvSpPr>
+          <p:cNvPr id="3" name="Content Placeholder 2"/>
+          <p:cNvSpPr>
+            <a:spLocks noGrp="1"/>
+          </p:cNvSpPr>
+          <p:nvPr>
+            <p:ph idx="1"/>
+          </p:nvPr>
+        </p:nvSpPr>
+        <p:spPr/>
+        <p:txBody>
+          <a:bodyPr/>
+          <a:lstStyle/>
+          <a:p>
+            <a:endParaRPr lang="en-US"/>
+          </a:p>
+        </p:txBody>
+      </p:sp>
+    </p:spTree>
+    <p:extLst>
+      <p:ext uri="{BB962C8B-B14F-4D97-AF65-F5344CB8AC3E}">
+        <p14:creationId xmlns:p14="http://schemas.microsoft.com/office/powerpoint/2010/main" val="323551549"/>
+      </p:ext>
+    </p:extLst>
+  </p:cSld>
+  <p:clrMapOvr>
+    <a:masterClrMapping/>
+  </p:clrMapOvr>
+</p:sld>
+</file>
+
+<file path=ppt/slides/slide16.xml><?xml version="1.0" encoding="utf-8"?>
+<p:sld xmlns:a="http://schemas.openxmlformats.org/drawingml/2006/main" xmlns:r="http://schemas.openxmlformats.org/officeDocument/2006/relationships" xmlns:p="http://schemas.openxmlformats.org/presentationml/2006/main">
+  <p:cSld>
+    <p:spTree>
+      <p:nvGrpSpPr>
+        <p:cNvPr id="1" name=""/>
+        <p:cNvGrpSpPr/>
+        <p:nvPr/>
+      </p:nvGrpSpPr>
+      <p:grpSpPr>
+        <a:xfrm>
+          <a:off x="0" y="0"/>
+          <a:ext cx="0" cy="0"/>
+          <a:chOff x="0" y="0"/>
+          <a:chExt cx="0" cy="0"/>
+        </a:xfrm>
+      </p:grpSpPr>
+      <p:sp>
+        <p:nvSpPr>
+          <p:cNvPr id="2" name="Title 1"/>
+          <p:cNvSpPr>
+            <a:spLocks noGrp="1"/>
+          </p:cNvSpPr>
+          <p:nvPr>
+            <p:ph type="title"/>
+          </p:nvPr>
+        </p:nvSpPr>
+        <p:spPr/>
+        <p:txBody>
+          <a:bodyPr/>
+          <a:lstStyle/>
+          <a:p>
+            <a:r>
+              <a:rPr lang="en-US" dirty="0" smtClean="0"/>
+              <a:t>Live Demo</a:t>
+            </a:r>
+            <a:endParaRPr lang="en-US" dirty="0"/>
+          </a:p>
+        </p:txBody>
+      </p:sp>
+      <p:sp>
+        <p:nvSpPr>
+          <p:cNvPr id="3" name="Content Placeholder 2"/>
+          <p:cNvSpPr>
+            <a:spLocks noGrp="1"/>
+          </p:cNvSpPr>
+          <p:nvPr>
+            <p:ph idx="1"/>
+          </p:nvPr>
+        </p:nvSpPr>
+        <p:spPr/>
+        <p:txBody>
+          <a:bodyPr/>
+          <a:lstStyle/>
+          <a:p>
+            <a:endParaRPr lang="en-US" dirty="0"/>
+          </a:p>
+        </p:txBody>
+      </p:sp>
+    </p:spTree>
+    <p:extLst>
+      <p:ext uri="{BB962C8B-B14F-4D97-AF65-F5344CB8AC3E}">
+        <p14:creationId xmlns:p14="http://schemas.microsoft.com/office/powerpoint/2010/main" val="2155490540"/>
+      </p:ext>
+    </p:extLst>
+  </p:cSld>
+  <p:clrMapOvr>
+    <a:masterClrMapping/>
+  </p:clrMapOvr>
+</p:sld>
+</file>
+
 <file path=ppt/slides/slide2.xml><?xml version="1.0" encoding="utf-8"?>
 <p:sld xmlns:a="http://schemas.openxmlformats.org/drawingml/2006/main" xmlns:r="http://schemas.openxmlformats.org/officeDocument/2006/relationships" xmlns:p="http://schemas.openxmlformats.org/presentationml/2006/main">
   <p:cSld>
@@ -17220,14 +18366,14 @@
           <p:nvPr>
             <p:extLst>
               <p:ext uri="{D42A27DB-BD31-4B8C-83A1-F6EECF244321}">
-                <p14:modId xmlns:p14="http://schemas.microsoft.com/office/powerpoint/2010/main" val="3290904369"/>
+                <p14:modId xmlns:p14="http://schemas.microsoft.com/office/powerpoint/2010/main" val="3011951758"/>
               </p:ext>
             </p:extLst>
           </p:nvPr>
         </p:nvGraphicFramePr>
         <p:xfrm>
-          <a:off x="0" y="978986"/>
-          <a:ext cx="5839097" cy="4520477"/>
+          <a:off x="0" y="1444626"/>
+          <a:ext cx="5486399" cy="4054838"/>
         </p:xfrm>
         <a:graphic>
           <a:graphicData uri="http://schemas.openxmlformats.org/drawingml/2006/diagram">
@@ -17427,11 +18573,11 @@
   <p:clrMapOvr>
     <a:masterClrMapping/>
   </p:clrMapOvr>
-  <mc:AlternateContent xmlns:mc="http://schemas.openxmlformats.org/markup-compatibility/2006">
-    <mc:Choice xmlns:p14="http://schemas.microsoft.com/office/powerpoint/2010/main" Requires="p14">
+  <mc:AlternateContent xmlns:mc="http://schemas.openxmlformats.org/markup-compatibility/2006" xmlns:p14="http://schemas.microsoft.com/office/powerpoint/2010/main">
+    <mc:Choice Requires="p14">
       <p:transition spd="slow" p14:dur="2000"/>
     </mc:Choice>
-    <mc:Fallback>
+    <mc:Fallback xmlns="">
       <p:transition spd="slow"/>
     </mc:Fallback>
   </mc:AlternateContent>
@@ -17861,6 +19007,210 @@
 </p:sld>
 </file>
 
+<file path=ppt/slides/slide8.xml><?xml version="1.0" encoding="utf-8"?>
+<p:sld xmlns:a="http://schemas.openxmlformats.org/drawingml/2006/main" xmlns:r="http://schemas.openxmlformats.org/officeDocument/2006/relationships" xmlns:p="http://schemas.openxmlformats.org/presentationml/2006/main">
+  <p:cSld>
+    <p:spTree>
+      <p:nvGrpSpPr>
+        <p:cNvPr id="1" name=""/>
+        <p:cNvGrpSpPr/>
+        <p:nvPr/>
+      </p:nvGrpSpPr>
+      <p:grpSpPr>
+        <a:xfrm>
+          <a:off x="0" y="0"/>
+          <a:ext cx="0" cy="0"/>
+          <a:chOff x="0" y="0"/>
+          <a:chExt cx="0" cy="0"/>
+        </a:xfrm>
+      </p:grpSpPr>
+      <p:sp>
+        <p:nvSpPr>
+          <p:cNvPr id="2" name="Title 1"/>
+          <p:cNvSpPr>
+            <a:spLocks noGrp="1"/>
+          </p:cNvSpPr>
+          <p:nvPr>
+            <p:ph type="title"/>
+          </p:nvPr>
+        </p:nvSpPr>
+        <p:spPr/>
+        <p:txBody>
+          <a:bodyPr/>
+          <a:lstStyle/>
+          <a:p>
+            <a:endParaRPr lang="en-US"/>
+          </a:p>
+        </p:txBody>
+      </p:sp>
+      <p:sp>
+        <p:nvSpPr>
+          <p:cNvPr id="3" name="Content Placeholder 2"/>
+          <p:cNvSpPr>
+            <a:spLocks noGrp="1"/>
+          </p:cNvSpPr>
+          <p:nvPr>
+            <p:ph sz="half" idx="1"/>
+          </p:nvPr>
+        </p:nvSpPr>
+        <p:spPr/>
+        <p:txBody>
+          <a:bodyPr/>
+          <a:lstStyle/>
+          <a:p>
+            <a:endParaRPr lang="en-US"/>
+          </a:p>
+        </p:txBody>
+      </p:sp>
+      <p:sp>
+        <p:nvSpPr>
+          <p:cNvPr id="4" name="Content Placeholder 3"/>
+          <p:cNvSpPr>
+            <a:spLocks noGrp="1"/>
+          </p:cNvSpPr>
+          <p:nvPr>
+            <p:ph sz="half" idx="2"/>
+          </p:nvPr>
+        </p:nvSpPr>
+        <p:spPr/>
+        <p:txBody>
+          <a:bodyPr/>
+          <a:lstStyle/>
+          <a:p>
+            <a:endParaRPr lang="en-US"/>
+          </a:p>
+        </p:txBody>
+      </p:sp>
+    </p:spTree>
+    <p:extLst>
+      <p:ext uri="{BB962C8B-B14F-4D97-AF65-F5344CB8AC3E}">
+        <p14:creationId xmlns:p14="http://schemas.microsoft.com/office/powerpoint/2010/main" val="715821370"/>
+      </p:ext>
+    </p:extLst>
+  </p:cSld>
+  <p:clrMapOvr>
+    <a:masterClrMapping/>
+  </p:clrMapOvr>
+</p:sld>
+</file>
+
+<file path=ppt/slides/slide9.xml><?xml version="1.0" encoding="utf-8"?>
+<p:sld xmlns:a="http://schemas.openxmlformats.org/drawingml/2006/main" xmlns:r="http://schemas.openxmlformats.org/officeDocument/2006/relationships" xmlns:p="http://schemas.openxmlformats.org/presentationml/2006/main">
+  <p:cSld>
+    <p:spTree>
+      <p:nvGrpSpPr>
+        <p:cNvPr id="1" name=""/>
+        <p:cNvGrpSpPr/>
+        <p:nvPr/>
+      </p:nvGrpSpPr>
+      <p:grpSpPr>
+        <a:xfrm>
+          <a:off x="0" y="0"/>
+          <a:ext cx="0" cy="0"/>
+          <a:chOff x="0" y="0"/>
+          <a:chExt cx="0" cy="0"/>
+        </a:xfrm>
+      </p:grpSpPr>
+      <p:sp>
+        <p:nvSpPr>
+          <p:cNvPr id="5" name="Title 4"/>
+          <p:cNvSpPr>
+            <a:spLocks noGrp="1"/>
+          </p:cNvSpPr>
+          <p:nvPr>
+            <p:ph type="title"/>
+          </p:nvPr>
+        </p:nvSpPr>
+        <p:spPr/>
+        <p:txBody>
+          <a:bodyPr/>
+          <a:lstStyle/>
+          <a:p>
+            <a:r>
+              <a:rPr lang="en-US" dirty="0" smtClean="0"/>
+              <a:t>EIMS as </a:t>
+            </a:r>
+            <a:r>
+              <a:rPr lang="en-US" dirty="0"/>
+              <a:t>a</a:t>
+            </a:r>
+            <a:r>
+              <a:rPr lang="en-US" dirty="0" smtClean="0"/>
+              <a:t> System</a:t>
+            </a:r>
+            <a:endParaRPr lang="en-US" dirty="0"/>
+          </a:p>
+        </p:txBody>
+      </p:sp>
+      <p:pic>
+        <p:nvPicPr>
+          <p:cNvPr id="7" name="Picture 4" descr="obr43559_0119"/>
+          <p:cNvPicPr>
+            <a:picLocks noGrp="1" noChangeAspect="1" noChangeArrowheads="1"/>
+          </p:cNvPicPr>
+          <p:nvPr>
+            <p:ph idx="1"/>
+          </p:nvPr>
+        </p:nvPicPr>
+        <p:blipFill>
+          <a:blip r:embed="rId2">
+            <a:extLst>
+              <a:ext uri="{28A0092B-C50C-407E-A947-70E740481C1C}">
+                <a14:useLocalDpi xmlns:a14="http://schemas.microsoft.com/office/drawing/2010/main" val="0"/>
+              </a:ext>
+            </a:extLst>
+          </a:blip>
+          <a:srcRect/>
+          <a:stretch>
+            <a:fillRect/>
+          </a:stretch>
+        </p:blipFill>
+        <p:spPr bwMode="auto">
+          <a:xfrm>
+            <a:off x="1981200" y="1600200"/>
+            <a:ext cx="5600700" cy="4343400"/>
+          </a:xfrm>
+          <a:prstGeom prst="rect">
+            <a:avLst/>
+          </a:prstGeom>
+          <a:noFill/>
+          <a:ln>
+            <a:noFill/>
+          </a:ln>
+          <a:extLst>
+            <a:ext uri="{909E8E84-426E-40DD-AFC4-6F175D3DCCD1}">
+              <a14:hiddenFill xmlns:a14="http://schemas.microsoft.com/office/drawing/2010/main">
+                <a:solidFill>
+                  <a:srgbClr val="FFFFFF"/>
+                </a:solidFill>
+              </a14:hiddenFill>
+            </a:ext>
+            <a:ext uri="{91240B29-F687-4F45-9708-019B960494DF}">
+              <a14:hiddenLine xmlns:a14="http://schemas.microsoft.com/office/drawing/2010/main" w="9525">
+                <a:solidFill>
+                  <a:srgbClr val="000000"/>
+                </a:solidFill>
+                <a:miter lim="800000"/>
+                <a:headEnd/>
+                <a:tailEnd/>
+              </a14:hiddenLine>
+            </a:ext>
+          </a:extLst>
+        </p:spPr>
+      </p:pic>
+    </p:spTree>
+    <p:extLst>
+      <p:ext uri="{BB962C8B-B14F-4D97-AF65-F5344CB8AC3E}">
+        <p14:creationId xmlns:p14="http://schemas.microsoft.com/office/powerpoint/2010/main" val="1376743925"/>
+      </p:ext>
+    </p:extLst>
+  </p:cSld>
+  <p:clrMapOvr>
+    <a:masterClrMapping/>
+  </p:clrMapOvr>
+</p:sld>
+</file>
+
 <file path=ppt/theme/theme1.xml><?xml version="1.0" encoding="utf-8"?>
 <a:theme xmlns:a="http://schemas.openxmlformats.org/drawingml/2006/main" name="Office Theme">
   <a:themeElements>
